--- a/pdf/Java_JavaScript_Proposal.pptx
+++ b/pdf/Java_JavaScript_Proposal.pptx
@@ -5,7 +5,7 @@
     <p:sldMasterId id="2147483648" r:id="rId1"/>
   </p:sldMasterIdLst>
   <p:notesMasterIdLst>
-    <p:notesMasterId r:id="rId18"/>
+    <p:notesMasterId r:id="rId23"/>
   </p:notesMasterIdLst>
   <p:sldIdLst>
     <p:sldId id="256" r:id="rId2"/>
@@ -19,11 +19,16 @@
     <p:sldId id="265" r:id="rId10"/>
     <p:sldId id="266" r:id="rId11"/>
     <p:sldId id="268" r:id="rId12"/>
-    <p:sldId id="274" r:id="rId13"/>
-    <p:sldId id="273" r:id="rId14"/>
-    <p:sldId id="269" r:id="rId15"/>
-    <p:sldId id="272" r:id="rId16"/>
-    <p:sldId id="264" r:id="rId17"/>
+    <p:sldId id="277" r:id="rId13"/>
+    <p:sldId id="276" r:id="rId14"/>
+    <p:sldId id="279" r:id="rId15"/>
+    <p:sldId id="278" r:id="rId16"/>
+    <p:sldId id="280" r:id="rId17"/>
+    <p:sldId id="274" r:id="rId18"/>
+    <p:sldId id="273" r:id="rId19"/>
+    <p:sldId id="269" r:id="rId20"/>
+    <p:sldId id="272" r:id="rId21"/>
+    <p:sldId id="264" r:id="rId22"/>
   </p:sldIdLst>
   <p:sldSz cx="12192000" cy="6858000"/>
   <p:notesSz cx="6858000" cy="9144000"/>
@@ -223,7 +228,7 @@
           <a:p>
             <a:fld id="{76B6DB23-8625-4BC9-AA0A-45096C85F11C}" type="datetimeFigureOut">
               <a:rPr lang="en-US" smtClean="0"/>
-              <a:t>3/31/2025</a:t>
+              <a:t>4/2/2025</a:t>
             </a:fld>
             <a:endParaRPr lang="en-US"/>
           </a:p>
@@ -555,7 +560,7 @@
           <a:p>
             <a:fld id="{14A4ECFF-DEF4-4EF1-B465-6BA596E9E78F}" type="slidenum">
               <a:rPr lang="en-US" smtClean="0"/>
-              <a:t>12</a:t>
+              <a:t>17</a:t>
             </a:fld>
             <a:endParaRPr lang="en-US"/>
           </a:p>
@@ -721,7 +726,7 @@
           <a:p>
             <a:fld id="{809425AB-196B-45DC-962F-BF3E43196EDB}" type="datetimeFigureOut">
               <a:rPr lang="en-US" smtClean="0"/>
-              <a:t>3/31/2025</a:t>
+              <a:t>4/2/2025</a:t>
             </a:fld>
             <a:endParaRPr lang="en-US"/>
           </a:p>
@@ -919,7 +924,7 @@
           <a:p>
             <a:fld id="{809425AB-196B-45DC-962F-BF3E43196EDB}" type="datetimeFigureOut">
               <a:rPr lang="en-US" smtClean="0"/>
-              <a:t>3/31/2025</a:t>
+              <a:t>4/2/2025</a:t>
             </a:fld>
             <a:endParaRPr lang="en-US"/>
           </a:p>
@@ -1127,7 +1132,7 @@
           <a:p>
             <a:fld id="{809425AB-196B-45DC-962F-BF3E43196EDB}" type="datetimeFigureOut">
               <a:rPr lang="en-US" smtClean="0"/>
-              <a:t>3/31/2025</a:t>
+              <a:t>4/2/2025</a:t>
             </a:fld>
             <a:endParaRPr lang="en-US"/>
           </a:p>
@@ -1325,7 +1330,7 @@
           <a:p>
             <a:fld id="{809425AB-196B-45DC-962F-BF3E43196EDB}" type="datetimeFigureOut">
               <a:rPr lang="en-US" smtClean="0"/>
-              <a:t>3/31/2025</a:t>
+              <a:t>4/2/2025</a:t>
             </a:fld>
             <a:endParaRPr lang="en-US"/>
           </a:p>
@@ -1600,7 +1605,7 @@
           <a:p>
             <a:fld id="{809425AB-196B-45DC-962F-BF3E43196EDB}" type="datetimeFigureOut">
               <a:rPr lang="en-US" smtClean="0"/>
-              <a:t>3/31/2025</a:t>
+              <a:t>4/2/2025</a:t>
             </a:fld>
             <a:endParaRPr lang="en-US"/>
           </a:p>
@@ -1865,7 +1870,7 @@
           <a:p>
             <a:fld id="{809425AB-196B-45DC-962F-BF3E43196EDB}" type="datetimeFigureOut">
               <a:rPr lang="en-US" smtClean="0"/>
-              <a:t>3/31/2025</a:t>
+              <a:t>4/2/2025</a:t>
             </a:fld>
             <a:endParaRPr lang="en-US"/>
           </a:p>
@@ -2277,7 +2282,7 @@
           <a:p>
             <a:fld id="{809425AB-196B-45DC-962F-BF3E43196EDB}" type="datetimeFigureOut">
               <a:rPr lang="en-US" smtClean="0"/>
-              <a:t>3/31/2025</a:t>
+              <a:t>4/2/2025</a:t>
             </a:fld>
             <a:endParaRPr lang="en-US"/>
           </a:p>
@@ -2418,7 +2423,7 @@
           <a:p>
             <a:fld id="{809425AB-196B-45DC-962F-BF3E43196EDB}" type="datetimeFigureOut">
               <a:rPr lang="en-US" smtClean="0"/>
-              <a:t>3/31/2025</a:t>
+              <a:t>4/2/2025</a:t>
             </a:fld>
             <a:endParaRPr lang="en-US"/>
           </a:p>
@@ -2531,7 +2536,7 @@
           <a:p>
             <a:fld id="{809425AB-196B-45DC-962F-BF3E43196EDB}" type="datetimeFigureOut">
               <a:rPr lang="en-US" smtClean="0"/>
-              <a:t>3/31/2025</a:t>
+              <a:t>4/2/2025</a:t>
             </a:fld>
             <a:endParaRPr lang="en-US"/>
           </a:p>
@@ -2842,7 +2847,7 @@
           <a:p>
             <a:fld id="{809425AB-196B-45DC-962F-BF3E43196EDB}" type="datetimeFigureOut">
               <a:rPr lang="en-US" smtClean="0"/>
-              <a:t>3/31/2025</a:t>
+              <a:t>4/2/2025</a:t>
             </a:fld>
             <a:endParaRPr lang="en-US"/>
           </a:p>
@@ -3130,7 +3135,7 @@
           <a:p>
             <a:fld id="{809425AB-196B-45DC-962F-BF3E43196EDB}" type="datetimeFigureOut">
               <a:rPr lang="en-US" smtClean="0"/>
-              <a:t>3/31/2025</a:t>
+              <a:t>4/2/2025</a:t>
             </a:fld>
             <a:endParaRPr lang="en-US"/>
           </a:p>
@@ -3371,7 +3376,7 @@
           <a:p>
             <a:fld id="{809425AB-196B-45DC-962F-BF3E43196EDB}" type="datetimeFigureOut">
               <a:rPr lang="en-US" smtClean="0"/>
-              <a:t>3/31/2025</a:t>
+              <a:t>4/2/2025</a:t>
             </a:fld>
             <a:endParaRPr lang="en-US"/>
           </a:p>
@@ -3900,7 +3905,7 @@
           <a:p>
             <a:r>
               <a:rPr lang="en-US" dirty="0"/>
-              <a:t>March 30, 2025</a:t>
+              <a:t>April 2, 2025</a:t>
             </a:r>
           </a:p>
         </p:txBody>
@@ -4015,6 +4020,298 @@
           </a:prstGeom>
         </p:spPr>
       </p:pic>
+      <p:sp>
+        <p:nvSpPr>
+          <p:cNvPr id="6" name="TextBox 5">
+            <a:extLst>
+              <a:ext uri="{FF2B5EF4-FFF2-40B4-BE49-F238E27FC236}">
+                <a16:creationId xmlns:a16="http://schemas.microsoft.com/office/drawing/2014/main" id="{55C41709-6EC0-F4E1-AF6E-8A5588D343BD}"/>
+              </a:ext>
+            </a:extLst>
+          </p:cNvPr>
+          <p:cNvSpPr txBox="1"/>
+          <p:nvPr/>
+        </p:nvSpPr>
+        <p:spPr>
+          <a:xfrm>
+            <a:off x="6221899" y="3059668"/>
+            <a:ext cx="2570922" cy="369332"/>
+          </a:xfrm>
+          <a:prstGeom prst="rect">
+            <a:avLst/>
+          </a:prstGeom>
+          <a:noFill/>
+          <a:ln>
+            <a:solidFill>
+              <a:srgbClr val="FF0000"/>
+            </a:solidFill>
+          </a:ln>
+        </p:spPr>
+        <p:txBody>
+          <a:bodyPr wrap="square" rtlCol="0">
+            <a:spAutoFit/>
+          </a:bodyPr>
+          <a:lstStyle/>
+          <a:p>
+            <a:r>
+              <a:rPr lang="en-US" dirty="0">
+                <a:solidFill>
+                  <a:srgbClr val="FF0000"/>
+                </a:solidFill>
+              </a:rPr>
+              <a:t>structure modified in OCL</a:t>
+            </a:r>
+          </a:p>
+        </p:txBody>
+      </p:sp>
+      <p:cxnSp>
+        <p:nvCxnSpPr>
+          <p:cNvPr id="8" name="Connector: Curved 7">
+            <a:extLst>
+              <a:ext uri="{FF2B5EF4-FFF2-40B4-BE49-F238E27FC236}">
+                <a16:creationId xmlns:a16="http://schemas.microsoft.com/office/drawing/2014/main" id="{A88ADCF6-B31E-440F-33E1-D83FFD4F4FE6}"/>
+              </a:ext>
+            </a:extLst>
+          </p:cNvPr>
+          <p:cNvCxnSpPr/>
+          <p:nvPr/>
+        </p:nvCxnSpPr>
+        <p:spPr>
+          <a:xfrm rot="16200000" flipV="1">
+            <a:off x="5897218" y="2441026"/>
+            <a:ext cx="649356" cy="331304"/>
+          </a:xfrm>
+          <a:prstGeom prst="curvedConnector3">
+            <a:avLst>
+              <a:gd name="adj1" fmla="val 56123"/>
+            </a:avLst>
+          </a:prstGeom>
+          <a:ln w="12700">
+            <a:solidFill>
+              <a:srgbClr val="FF0000"/>
+            </a:solidFill>
+            <a:tailEnd type="triangle"/>
+          </a:ln>
+        </p:spPr>
+        <p:style>
+          <a:lnRef idx="1">
+            <a:schemeClr val="accent1"/>
+          </a:lnRef>
+          <a:fillRef idx="0">
+            <a:schemeClr val="accent1"/>
+          </a:fillRef>
+          <a:effectRef idx="0">
+            <a:schemeClr val="accent1"/>
+          </a:effectRef>
+          <a:fontRef idx="minor">
+            <a:schemeClr val="tx1"/>
+          </a:fontRef>
+        </p:style>
+      </p:cxnSp>
+      <p:cxnSp>
+        <p:nvCxnSpPr>
+          <p:cNvPr id="10" name="Connector: Curved 9">
+            <a:extLst>
+              <a:ext uri="{FF2B5EF4-FFF2-40B4-BE49-F238E27FC236}">
+                <a16:creationId xmlns:a16="http://schemas.microsoft.com/office/drawing/2014/main" id="{E08FDBD3-D54F-896C-E5A6-1019F6EAA15C}"/>
+              </a:ext>
+            </a:extLst>
+          </p:cNvPr>
+          <p:cNvCxnSpPr>
+            <a:cxnSpLocks/>
+          </p:cNvCxnSpPr>
+          <p:nvPr/>
+        </p:nvCxnSpPr>
+        <p:spPr>
+          <a:xfrm rot="5400000">
+            <a:off x="2665113" y="2675518"/>
+            <a:ext cx="1693429" cy="967407"/>
+          </a:xfrm>
+          <a:prstGeom prst="curvedConnector3">
+            <a:avLst>
+              <a:gd name="adj1" fmla="val 50000"/>
+            </a:avLst>
+          </a:prstGeom>
+          <a:ln w="12700">
+            <a:solidFill>
+              <a:srgbClr val="FF0000"/>
+            </a:solidFill>
+            <a:tailEnd type="triangle"/>
+          </a:ln>
+        </p:spPr>
+        <p:style>
+          <a:lnRef idx="1">
+            <a:schemeClr val="accent1"/>
+          </a:lnRef>
+          <a:fillRef idx="0">
+            <a:schemeClr val="accent1"/>
+          </a:fillRef>
+          <a:effectRef idx="0">
+            <a:schemeClr val="accent1"/>
+          </a:effectRef>
+          <a:fontRef idx="minor">
+            <a:schemeClr val="tx1"/>
+          </a:fontRef>
+        </p:style>
+      </p:cxnSp>
+      <p:sp>
+        <p:nvSpPr>
+          <p:cNvPr id="13" name="Oval 12">
+            <a:extLst>
+              <a:ext uri="{FF2B5EF4-FFF2-40B4-BE49-F238E27FC236}">
+                <a16:creationId xmlns:a16="http://schemas.microsoft.com/office/drawing/2014/main" id="{026A758F-0D49-AE4C-34A2-13FAC6A01B93}"/>
+              </a:ext>
+            </a:extLst>
+          </p:cNvPr>
+          <p:cNvSpPr/>
+          <p:nvPr/>
+        </p:nvSpPr>
+        <p:spPr>
+          <a:xfrm>
+            <a:off x="2335696" y="4472608"/>
+            <a:ext cx="278295" cy="205409"/>
+          </a:xfrm>
+          <a:prstGeom prst="ellipse">
+            <a:avLst/>
+          </a:prstGeom>
+          <a:noFill/>
+          <a:ln>
+            <a:solidFill>
+              <a:srgbClr val="FF0000"/>
+            </a:solidFill>
+          </a:ln>
+        </p:spPr>
+        <p:style>
+          <a:lnRef idx="2">
+            <a:schemeClr val="accent1">
+              <a:shade val="15000"/>
+            </a:schemeClr>
+          </a:lnRef>
+          <a:fillRef idx="1">
+            <a:schemeClr val="accent1"/>
+          </a:fillRef>
+          <a:effectRef idx="0">
+            <a:schemeClr val="accent1"/>
+          </a:effectRef>
+          <a:fontRef idx="minor">
+            <a:schemeClr val="lt1"/>
+          </a:fontRef>
+        </p:style>
+        <p:txBody>
+          <a:bodyPr rtlCol="0" anchor="ctr"/>
+          <a:lstStyle/>
+          <a:p>
+            <a:pPr algn="ctr"/>
+            <a:endParaRPr lang="en-US"/>
+          </a:p>
+        </p:txBody>
+      </p:sp>
+      <p:sp>
+        <p:nvSpPr>
+          <p:cNvPr id="14" name="Oval 13">
+            <a:extLst>
+              <a:ext uri="{FF2B5EF4-FFF2-40B4-BE49-F238E27FC236}">
+                <a16:creationId xmlns:a16="http://schemas.microsoft.com/office/drawing/2014/main" id="{59DE354D-DC8E-AE92-8E48-B035532EE4BA}"/>
+              </a:ext>
+            </a:extLst>
+          </p:cNvPr>
+          <p:cNvSpPr/>
+          <p:nvPr/>
+        </p:nvSpPr>
+        <p:spPr>
+          <a:xfrm>
+            <a:off x="2812774" y="6106491"/>
+            <a:ext cx="278295" cy="205409"/>
+          </a:xfrm>
+          <a:prstGeom prst="ellipse">
+            <a:avLst/>
+          </a:prstGeom>
+          <a:noFill/>
+          <a:ln>
+            <a:solidFill>
+              <a:srgbClr val="FF0000"/>
+            </a:solidFill>
+          </a:ln>
+        </p:spPr>
+        <p:style>
+          <a:lnRef idx="2">
+            <a:schemeClr val="accent1">
+              <a:shade val="15000"/>
+            </a:schemeClr>
+          </a:lnRef>
+          <a:fillRef idx="1">
+            <a:schemeClr val="accent1"/>
+          </a:fillRef>
+          <a:effectRef idx="0">
+            <a:schemeClr val="accent1"/>
+          </a:effectRef>
+          <a:fontRef idx="minor">
+            <a:schemeClr val="lt1"/>
+          </a:fontRef>
+        </p:style>
+        <p:txBody>
+          <a:bodyPr rtlCol="0" anchor="ctr"/>
+          <a:lstStyle/>
+          <a:p>
+            <a:pPr algn="ctr"/>
+            <a:endParaRPr lang="en-US"/>
+          </a:p>
+        </p:txBody>
+      </p:sp>
+      <p:sp>
+        <p:nvSpPr>
+          <p:cNvPr id="15" name="TextBox 14">
+            <a:extLst>
+              <a:ext uri="{FF2B5EF4-FFF2-40B4-BE49-F238E27FC236}">
+                <a16:creationId xmlns:a16="http://schemas.microsoft.com/office/drawing/2014/main" id="{184C96B0-B9AF-D4E8-0B67-A583076A2288}"/>
+              </a:ext>
+            </a:extLst>
+          </p:cNvPr>
+          <p:cNvSpPr txBox="1"/>
+          <p:nvPr/>
+        </p:nvSpPr>
+        <p:spPr>
+          <a:xfrm>
+            <a:off x="2503006" y="2373581"/>
+            <a:ext cx="1050235" cy="646331"/>
+          </a:xfrm>
+          <a:prstGeom prst="rect">
+            <a:avLst/>
+          </a:prstGeom>
+          <a:noFill/>
+          <a:ln>
+            <a:solidFill>
+              <a:srgbClr val="FF0000"/>
+            </a:solidFill>
+          </a:ln>
+        </p:spPr>
+        <p:txBody>
+          <a:bodyPr wrap="square" rtlCol="0">
+            <a:spAutoFit/>
+          </a:bodyPr>
+          <a:lstStyle/>
+          <a:p>
+            <a:r>
+              <a:rPr lang="en-US" dirty="0">
+                <a:solidFill>
+                  <a:srgbClr val="FF0000"/>
+                </a:solidFill>
+              </a:rPr>
+              <a:t>via InChI</a:t>
+            </a:r>
+          </a:p>
+          <a:p>
+            <a:r>
+              <a:rPr lang="en-US" dirty="0">
+                <a:solidFill>
+                  <a:srgbClr val="FF0000"/>
+                </a:solidFill>
+              </a:rPr>
+              <a:t>to CDK</a:t>
+            </a:r>
+          </a:p>
+        </p:txBody>
+      </p:sp>
     </p:spTree>
     <p:extLst>
       <p:ext uri="{BB962C8B-B14F-4D97-AF65-F5344CB8AC3E}">
@@ -4125,6 +4422,146 @@
           </a:prstGeom>
         </p:spPr>
       </p:pic>
+      <p:sp>
+        <p:nvSpPr>
+          <p:cNvPr id="6" name="Rectangle 5">
+            <a:extLst>
+              <a:ext uri="{FF2B5EF4-FFF2-40B4-BE49-F238E27FC236}">
+                <a16:creationId xmlns:a16="http://schemas.microsoft.com/office/drawing/2014/main" id="{0002F2FD-6441-64AF-C363-D376E6C97E5F}"/>
+              </a:ext>
+            </a:extLst>
+          </p:cNvPr>
+          <p:cNvSpPr/>
+          <p:nvPr/>
+        </p:nvSpPr>
+        <p:spPr>
+          <a:xfrm>
+            <a:off x="5127824" y="0"/>
+            <a:ext cx="1824065" cy="191861"/>
+          </a:xfrm>
+          <a:prstGeom prst="rect">
+            <a:avLst/>
+          </a:prstGeom>
+          <a:noFill/>
+          <a:ln>
+            <a:solidFill>
+              <a:srgbClr val="FF0000"/>
+            </a:solidFill>
+          </a:ln>
+        </p:spPr>
+        <p:style>
+          <a:lnRef idx="2">
+            <a:schemeClr val="accent1">
+              <a:shade val="15000"/>
+            </a:schemeClr>
+          </a:lnRef>
+          <a:fillRef idx="1">
+            <a:schemeClr val="accent1"/>
+          </a:fillRef>
+          <a:effectRef idx="0">
+            <a:schemeClr val="accent1"/>
+          </a:effectRef>
+          <a:fontRef idx="minor">
+            <a:schemeClr val="lt1"/>
+          </a:fontRef>
+        </p:style>
+        <p:txBody>
+          <a:bodyPr rtlCol="0" anchor="ctr"/>
+          <a:lstStyle/>
+          <a:p>
+            <a:pPr algn="ctr"/>
+            <a:endParaRPr lang="en-US"/>
+          </a:p>
+        </p:txBody>
+      </p:sp>
+      <p:sp>
+        <p:nvSpPr>
+          <p:cNvPr id="4" name="TextBox 3">
+            <a:extLst>
+              <a:ext uri="{FF2B5EF4-FFF2-40B4-BE49-F238E27FC236}">
+                <a16:creationId xmlns:a16="http://schemas.microsoft.com/office/drawing/2014/main" id="{FDB8953B-DC30-A617-20C9-39047D31A37B}"/>
+              </a:ext>
+            </a:extLst>
+          </p:cNvPr>
+          <p:cNvSpPr txBox="1"/>
+          <p:nvPr/>
+        </p:nvSpPr>
+        <p:spPr>
+          <a:xfrm>
+            <a:off x="7388217" y="357871"/>
+            <a:ext cx="3178184" cy="369332"/>
+          </a:xfrm>
+          <a:prstGeom prst="rect">
+            <a:avLst/>
+          </a:prstGeom>
+          <a:noFill/>
+          <a:ln>
+            <a:solidFill>
+              <a:srgbClr val="FF0000"/>
+            </a:solidFill>
+          </a:ln>
+        </p:spPr>
+        <p:txBody>
+          <a:bodyPr wrap="square" rtlCol="0">
+            <a:spAutoFit/>
+          </a:bodyPr>
+          <a:lstStyle/>
+          <a:p>
+            <a:r>
+              <a:rPr lang="en-US" dirty="0">
+                <a:solidFill>
+                  <a:srgbClr val="FF0000"/>
+                </a:solidFill>
+              </a:rPr>
+              <a:t> MOL file to InChI, CDK, and OCL</a:t>
+            </a:r>
+          </a:p>
+        </p:txBody>
+      </p:sp>
+      <p:sp>
+        <p:nvSpPr>
+          <p:cNvPr id="7" name="TextBox 6">
+            <a:extLst>
+              <a:ext uri="{FF2B5EF4-FFF2-40B4-BE49-F238E27FC236}">
+                <a16:creationId xmlns:a16="http://schemas.microsoft.com/office/drawing/2014/main" id="{52ED490E-0D4B-1594-E2E3-6636689A64B1}"/>
+              </a:ext>
+            </a:extLst>
+          </p:cNvPr>
+          <p:cNvSpPr txBox="1"/>
+          <p:nvPr/>
+        </p:nvSpPr>
+        <p:spPr>
+          <a:xfrm>
+            <a:off x="2299855" y="6103133"/>
+            <a:ext cx="2827969" cy="646331"/>
+          </a:xfrm>
+          <a:prstGeom prst="rect">
+            <a:avLst/>
+          </a:prstGeom>
+          <a:noFill/>
+          <a:ln>
+            <a:solidFill>
+              <a:srgbClr val="FF0000"/>
+            </a:solidFill>
+          </a:ln>
+        </p:spPr>
+        <p:txBody>
+          <a:bodyPr wrap="square" rtlCol="0">
+            <a:spAutoFit/>
+          </a:bodyPr>
+          <a:lstStyle/>
+          <a:p>
+            <a:r>
+              <a:rPr lang="en-US" dirty="0">
+                <a:solidFill>
+                  <a:srgbClr val="FF0000"/>
+                </a:solidFill>
+              </a:rPr>
+              <a:t> Note that MOL file from InChI loses stereochemistry.</a:t>
+            </a:r>
+          </a:p>
+        </p:txBody>
+      </p:sp>
     </p:spTree>
     <p:extLst>
       <p:ext uri="{BB962C8B-B14F-4D97-AF65-F5344CB8AC3E}">
@@ -4143,6 +4580,1042 @@
   <p:cSld>
     <p:spTree>
       <p:nvGrpSpPr>
+        <p:cNvPr id="1" name="">
+          <a:extLst>
+            <a:ext uri="{FF2B5EF4-FFF2-40B4-BE49-F238E27FC236}">
+              <a16:creationId xmlns:a16="http://schemas.microsoft.com/office/drawing/2014/main" id="{7067A641-895D-02E5-4226-9DC91E199201}"/>
+            </a:ext>
+          </a:extLst>
+        </p:cNvPr>
+        <p:cNvGrpSpPr/>
+        <p:nvPr/>
+      </p:nvGrpSpPr>
+      <p:grpSpPr>
+        <a:xfrm>
+          <a:off x="0" y="0"/>
+          <a:ext cx="0" cy="0"/>
+          <a:chOff x="0" y="0"/>
+          <a:chExt cx="0" cy="0"/>
+        </a:xfrm>
+      </p:grpSpPr>
+      <p:sp>
+        <p:nvSpPr>
+          <p:cNvPr id="2" name="Title 1">
+            <a:extLst>
+              <a:ext uri="{FF2B5EF4-FFF2-40B4-BE49-F238E27FC236}">
+                <a16:creationId xmlns:a16="http://schemas.microsoft.com/office/drawing/2014/main" id="{9F636E41-1933-B708-E072-59575E968E09}"/>
+              </a:ext>
+            </a:extLst>
+          </p:cNvPr>
+          <p:cNvSpPr>
+            <a:spLocks noGrp="1"/>
+          </p:cNvSpPr>
+          <p:nvPr>
+            <p:ph type="title"/>
+          </p:nvPr>
+        </p:nvSpPr>
+        <p:spPr/>
+        <p:txBody>
+          <a:bodyPr/>
+          <a:lstStyle/>
+          <a:p>
+            <a:r>
+              <a:rPr lang="en-US" dirty="0"/>
+              <a:t>Issues and Solutions</a:t>
+            </a:r>
+          </a:p>
+        </p:txBody>
+      </p:sp>
+      <p:sp>
+        <p:nvSpPr>
+          <p:cNvPr id="3" name="Content Placeholder 2">
+            <a:extLst>
+              <a:ext uri="{FF2B5EF4-FFF2-40B4-BE49-F238E27FC236}">
+                <a16:creationId xmlns:a16="http://schemas.microsoft.com/office/drawing/2014/main" id="{51BDE625-072B-0882-3AFF-1244BE8A34BD}"/>
+              </a:ext>
+            </a:extLst>
+          </p:cNvPr>
+          <p:cNvSpPr>
+            <a:spLocks noGrp="1"/>
+          </p:cNvSpPr>
+          <p:nvPr>
+            <p:ph idx="1"/>
+          </p:nvPr>
+        </p:nvSpPr>
+        <p:spPr>
+          <a:xfrm>
+            <a:off x="838200" y="1825625"/>
+            <a:ext cx="10515600" cy="4953866"/>
+          </a:xfrm>
+        </p:spPr>
+        <p:txBody>
+          <a:bodyPr>
+            <a:normAutofit/>
+          </a:bodyPr>
+          <a:lstStyle/>
+          <a:p>
+            <a:pPr marL="0" indent="0">
+              <a:buNone/>
+            </a:pPr>
+            <a:r>
+              <a:rPr lang="en-US" dirty="0"/>
+              <a:t>One of the strongest arguments for joining forces on JNA and WASM development is that issues arising with implementing InChI, particularly InChI-to-(reasonable)structure can be solved in one place in one go. No duplication of efforts necessary. These aren’t necessarily bugs. They may be simply the result of internal InChI representation choices that serve a purpose within </a:t>
+            </a:r>
+            <a:r>
+              <a:rPr lang="en-US" dirty="0" err="1"/>
+              <a:t>inchi</a:t>
+            </a:r>
+            <a:r>
+              <a:rPr lang="en-US" dirty="0"/>
+              <a:t>-C. The “issue” is only that some applications of InChI need to be made more chemist-friendly, with fewer surprises. </a:t>
+            </a:r>
+          </a:p>
+          <a:p>
+            <a:pPr marL="0" indent="0">
+              <a:buNone/>
+            </a:pPr>
+            <a:endParaRPr lang="en-US" dirty="0"/>
+          </a:p>
+        </p:txBody>
+      </p:sp>
+    </p:spTree>
+    <p:extLst>
+      <p:ext uri="{BB962C8B-B14F-4D97-AF65-F5344CB8AC3E}">
+        <p14:creationId xmlns:p14="http://schemas.microsoft.com/office/powerpoint/2010/main" val="3234321707"/>
+      </p:ext>
+    </p:extLst>
+  </p:cSld>
+  <p:clrMapOvr>
+    <a:masterClrMapping/>
+  </p:clrMapOvr>
+</p:sld>
+</file>
+
+<file path=ppt/slides/slide13.xml><?xml version="1.0" encoding="utf-8"?>
+<p:sld xmlns:a="http://schemas.openxmlformats.org/drawingml/2006/main" xmlns:r="http://schemas.openxmlformats.org/officeDocument/2006/relationships" xmlns:p="http://schemas.openxmlformats.org/presentationml/2006/main">
+  <p:cSld>
+    <p:spTree>
+      <p:nvGrpSpPr>
+        <p:cNvPr id="1" name="">
+          <a:extLst>
+            <a:ext uri="{FF2B5EF4-FFF2-40B4-BE49-F238E27FC236}">
+              <a16:creationId xmlns:a16="http://schemas.microsoft.com/office/drawing/2014/main" id="{8528E5F9-ADEF-E574-5856-592EC9CE8FFD}"/>
+            </a:ext>
+          </a:extLst>
+        </p:cNvPr>
+        <p:cNvGrpSpPr/>
+        <p:nvPr/>
+      </p:nvGrpSpPr>
+      <p:grpSpPr>
+        <a:xfrm>
+          <a:off x="0" y="0"/>
+          <a:ext cx="0" cy="0"/>
+          <a:chOff x="0" y="0"/>
+          <a:chExt cx="0" cy="0"/>
+        </a:xfrm>
+      </p:grpSpPr>
+      <p:sp>
+        <p:nvSpPr>
+          <p:cNvPr id="2" name="Title 1">
+            <a:extLst>
+              <a:ext uri="{FF2B5EF4-FFF2-40B4-BE49-F238E27FC236}">
+                <a16:creationId xmlns:a16="http://schemas.microsoft.com/office/drawing/2014/main" id="{2D08FC46-F579-1F2B-0EC6-2495C942E28C}"/>
+              </a:ext>
+            </a:extLst>
+          </p:cNvPr>
+          <p:cNvSpPr>
+            <a:spLocks noGrp="1"/>
+          </p:cNvSpPr>
+          <p:nvPr>
+            <p:ph type="title"/>
+          </p:nvPr>
+        </p:nvSpPr>
+        <p:spPr/>
+        <p:txBody>
+          <a:bodyPr/>
+          <a:lstStyle/>
+          <a:p>
+            <a:r>
+              <a:rPr lang="en-US" dirty="0"/>
+              <a:t>Issues and Solutions</a:t>
+            </a:r>
+          </a:p>
+        </p:txBody>
+      </p:sp>
+      <p:sp>
+        <p:nvSpPr>
+          <p:cNvPr id="3" name="Content Placeholder 2">
+            <a:extLst>
+              <a:ext uri="{FF2B5EF4-FFF2-40B4-BE49-F238E27FC236}">
+                <a16:creationId xmlns:a16="http://schemas.microsoft.com/office/drawing/2014/main" id="{2434EC98-7572-6580-22C1-23BB86913931}"/>
+              </a:ext>
+            </a:extLst>
+          </p:cNvPr>
+          <p:cNvSpPr>
+            <a:spLocks noGrp="1"/>
+          </p:cNvSpPr>
+          <p:nvPr>
+            <p:ph idx="1"/>
+          </p:nvPr>
+        </p:nvSpPr>
+        <p:spPr>
+          <a:xfrm>
+            <a:off x="838199" y="1825625"/>
+            <a:ext cx="10975109" cy="4953866"/>
+          </a:xfrm>
+        </p:spPr>
+        <p:txBody>
+          <a:bodyPr>
+            <a:normAutofit/>
+          </a:bodyPr>
+          <a:lstStyle/>
+          <a:p>
+            <a:pPr marL="0" indent="0">
+              <a:buNone/>
+            </a:pPr>
+            <a:r>
+              <a:rPr lang="en-US" dirty="0"/>
+              <a:t>Here I highlight three such problems we have identified:</a:t>
+            </a:r>
+          </a:p>
+          <a:p>
+            <a:pPr marL="0" indent="0">
+              <a:buNone/>
+            </a:pPr>
+            <a:endParaRPr lang="en-US" dirty="0"/>
+          </a:p>
+          <a:p>
+            <a:pPr marL="0" indent="0">
+              <a:buNone/>
+            </a:pPr>
+            <a:r>
+              <a:rPr lang="en-US" dirty="0"/>
+              <a:t>#1 amide -&gt; InChI -&gt; </a:t>
+            </a:r>
+            <a:r>
+              <a:rPr lang="en-US" dirty="0" err="1"/>
+              <a:t>iminol</a:t>
+            </a:r>
+            <a:endParaRPr lang="en-US" dirty="0"/>
+          </a:p>
+          <a:p>
+            <a:pPr marL="0" indent="0">
+              <a:buNone/>
+            </a:pPr>
+            <a:r>
+              <a:rPr lang="en-US" dirty="0"/>
+              <a:t>#2 phenol-carboxylate -&gt; InChI -&gt; carboxylic acid-phenolate</a:t>
+            </a:r>
+          </a:p>
+          <a:p>
+            <a:pPr marL="0" indent="0">
+              <a:buNone/>
+            </a:pPr>
+            <a:r>
+              <a:rPr lang="en-US" dirty="0"/>
+              <a:t>#3  ammonium-phenol -&gt; InChI -&gt; loss of stereochemistry</a:t>
+            </a:r>
+          </a:p>
+        </p:txBody>
+      </p:sp>
+    </p:spTree>
+    <p:extLst>
+      <p:ext uri="{BB962C8B-B14F-4D97-AF65-F5344CB8AC3E}">
+        <p14:creationId xmlns:p14="http://schemas.microsoft.com/office/powerpoint/2010/main" val="13690293"/>
+      </p:ext>
+    </p:extLst>
+  </p:cSld>
+  <p:clrMapOvr>
+    <a:masterClrMapping/>
+  </p:clrMapOvr>
+</p:sld>
+</file>
+
+<file path=ppt/slides/slide14.xml><?xml version="1.0" encoding="utf-8"?>
+<p:sld xmlns:a="http://schemas.openxmlformats.org/drawingml/2006/main" xmlns:r="http://schemas.openxmlformats.org/officeDocument/2006/relationships" xmlns:p="http://schemas.openxmlformats.org/presentationml/2006/main">
+  <p:cSld>
+    <p:spTree>
+      <p:nvGrpSpPr>
+        <p:cNvPr id="1" name="">
+          <a:extLst>
+            <a:ext uri="{FF2B5EF4-FFF2-40B4-BE49-F238E27FC236}">
+              <a16:creationId xmlns:a16="http://schemas.microsoft.com/office/drawing/2014/main" id="{24BD275F-E8A1-D23B-4086-BC43E9A50E32}"/>
+            </a:ext>
+          </a:extLst>
+        </p:cNvPr>
+        <p:cNvGrpSpPr/>
+        <p:nvPr/>
+      </p:nvGrpSpPr>
+      <p:grpSpPr>
+        <a:xfrm>
+          <a:off x="0" y="0"/>
+          <a:ext cx="0" cy="0"/>
+          <a:chOff x="0" y="0"/>
+          <a:chExt cx="0" cy="0"/>
+        </a:xfrm>
+      </p:grpSpPr>
+      <p:sp>
+        <p:nvSpPr>
+          <p:cNvPr id="2" name="Title 1">
+            <a:extLst>
+              <a:ext uri="{FF2B5EF4-FFF2-40B4-BE49-F238E27FC236}">
+                <a16:creationId xmlns:a16="http://schemas.microsoft.com/office/drawing/2014/main" id="{0A970E3C-F9C8-B2B3-FBC7-A3173F5C223A}"/>
+              </a:ext>
+            </a:extLst>
+          </p:cNvPr>
+          <p:cNvSpPr>
+            <a:spLocks noGrp="1"/>
+          </p:cNvSpPr>
+          <p:nvPr>
+            <p:ph type="title"/>
+          </p:nvPr>
+        </p:nvSpPr>
+        <p:spPr/>
+        <p:txBody>
+          <a:bodyPr>
+            <a:normAutofit/>
+          </a:bodyPr>
+          <a:lstStyle/>
+          <a:p>
+            <a:r>
+              <a:rPr lang="en-US" sz="2800" dirty="0"/>
+              <a:t>Issue #1 amide -&gt; InChI -&gt; </a:t>
+            </a:r>
+            <a:r>
+              <a:rPr lang="en-US" sz="2800" dirty="0" err="1"/>
+              <a:t>iminol</a:t>
+            </a:r>
+            <a:endParaRPr lang="en-US" sz="2800" dirty="0"/>
+          </a:p>
+        </p:txBody>
+      </p:sp>
+      <p:sp>
+        <p:nvSpPr>
+          <p:cNvPr id="3" name="Content Placeholder 2">
+            <a:extLst>
+              <a:ext uri="{FF2B5EF4-FFF2-40B4-BE49-F238E27FC236}">
+                <a16:creationId xmlns:a16="http://schemas.microsoft.com/office/drawing/2014/main" id="{2A4157FB-19E5-596F-A4B2-80B636911DE9}"/>
+              </a:ext>
+            </a:extLst>
+          </p:cNvPr>
+          <p:cNvSpPr>
+            <a:spLocks noGrp="1"/>
+          </p:cNvSpPr>
+          <p:nvPr>
+            <p:ph idx="1"/>
+          </p:nvPr>
+        </p:nvSpPr>
+        <p:spPr>
+          <a:xfrm>
+            <a:off x="838199" y="1825625"/>
+            <a:ext cx="10975109" cy="4953866"/>
+          </a:xfrm>
+        </p:spPr>
+        <p:txBody>
+          <a:bodyPr>
+            <a:normAutofit/>
+          </a:bodyPr>
+          <a:lstStyle/>
+          <a:p>
+            <a:pPr marL="0" indent="0">
+              <a:buNone/>
+            </a:pPr>
+            <a:r>
+              <a:rPr lang="en-US" sz="2400" dirty="0"/>
+              <a:t>This is well known. It is not a bug. It is just that </a:t>
+            </a:r>
+            <a:r>
+              <a:rPr lang="en-US" sz="2400" dirty="0" err="1"/>
+              <a:t>inchi</a:t>
+            </a:r>
+            <a:r>
+              <a:rPr lang="en-US" sz="2400" dirty="0"/>
+              <a:t>-C internally stores amides as </a:t>
+            </a:r>
+            <a:r>
+              <a:rPr lang="en-US" sz="2400" dirty="0" err="1"/>
+              <a:t>iminols</a:t>
+            </a:r>
+            <a:r>
+              <a:rPr lang="en-US" sz="2400" dirty="0"/>
+              <a:t>, and it is far more likely that a chemist would expect an amide than an </a:t>
+            </a:r>
+            <a:r>
+              <a:rPr lang="en-US" sz="2400" dirty="0" err="1"/>
+              <a:t>iminol</a:t>
+            </a:r>
+            <a:r>
+              <a:rPr lang="en-US" sz="2400" dirty="0"/>
+              <a:t> as the structural representation.</a:t>
+            </a:r>
+          </a:p>
+          <a:p>
+            <a:pPr marL="0" indent="0">
+              <a:buNone/>
+            </a:pPr>
+            <a:r>
+              <a:rPr lang="en-US" sz="2400" dirty="0"/>
+              <a:t> For example: </a:t>
+            </a:r>
+            <a:r>
+              <a:rPr lang="pt-BR" sz="2000" dirty="0">
+                <a:hlinkClick r:id="rId2"/>
+              </a:rPr>
+              <a:t>InChI=1S/C4H9NO/c1-3-4(6)5-2/h3H2,1-2H3,(H,5,6)</a:t>
+            </a:r>
+            <a:endParaRPr lang="pt-BR" sz="2000" dirty="0"/>
+          </a:p>
+          <a:p>
+            <a:pPr marL="0" indent="0">
+              <a:buNone/>
+            </a:pPr>
+            <a:endParaRPr lang="en-US" sz="2400" dirty="0"/>
+          </a:p>
+          <a:p>
+            <a:pPr marL="0" indent="0">
+              <a:buNone/>
+            </a:pPr>
+            <a:r>
+              <a:rPr lang="en-US" sz="2400" dirty="0"/>
+              <a:t>Without “</a:t>
+            </a:r>
+            <a:r>
+              <a:rPr lang="en-US" sz="2400" dirty="0" err="1"/>
+              <a:t>fixamide</a:t>
+            </a:r>
+            <a:r>
+              <a:rPr lang="en-US" sz="2400" dirty="0"/>
+              <a:t>”:                                                                  With “</a:t>
+            </a:r>
+            <a:r>
+              <a:rPr lang="en-US" sz="2400" dirty="0" err="1"/>
+              <a:t>fixamide</a:t>
+            </a:r>
+            <a:r>
+              <a:rPr lang="en-US" sz="2400" dirty="0"/>
+              <a:t>”</a:t>
+            </a:r>
+          </a:p>
+          <a:p>
+            <a:pPr marL="0" indent="0">
+              <a:buNone/>
+            </a:pPr>
+            <a:endParaRPr lang="en-US" sz="2400" dirty="0"/>
+          </a:p>
+        </p:txBody>
+      </p:sp>
+      <p:sp>
+        <p:nvSpPr>
+          <p:cNvPr id="6" name="Rectangle 5">
+            <a:extLst>
+              <a:ext uri="{FF2B5EF4-FFF2-40B4-BE49-F238E27FC236}">
+                <a16:creationId xmlns:a16="http://schemas.microsoft.com/office/drawing/2014/main" id="{21719096-F492-1627-81AC-3F6B5DBE8885}"/>
+              </a:ext>
+            </a:extLst>
+          </p:cNvPr>
+          <p:cNvSpPr/>
+          <p:nvPr/>
+        </p:nvSpPr>
+        <p:spPr>
+          <a:xfrm>
+            <a:off x="5127824" y="0"/>
+            <a:ext cx="1824065" cy="191861"/>
+          </a:xfrm>
+          <a:prstGeom prst="rect">
+            <a:avLst/>
+          </a:prstGeom>
+          <a:noFill/>
+          <a:ln>
+            <a:solidFill>
+              <a:srgbClr val="FF0000"/>
+            </a:solidFill>
+          </a:ln>
+        </p:spPr>
+        <p:style>
+          <a:lnRef idx="2">
+            <a:schemeClr val="accent1">
+              <a:shade val="15000"/>
+            </a:schemeClr>
+          </a:lnRef>
+          <a:fillRef idx="1">
+            <a:schemeClr val="accent1"/>
+          </a:fillRef>
+          <a:effectRef idx="0">
+            <a:schemeClr val="accent1"/>
+          </a:effectRef>
+          <a:fontRef idx="minor">
+            <a:schemeClr val="lt1"/>
+          </a:fontRef>
+        </p:style>
+        <p:txBody>
+          <a:bodyPr rtlCol="0" anchor="ctr"/>
+          <a:lstStyle/>
+          <a:p>
+            <a:pPr algn="ctr"/>
+            <a:endParaRPr lang="en-US"/>
+          </a:p>
+        </p:txBody>
+      </p:sp>
+      <p:pic>
+        <p:nvPicPr>
+          <p:cNvPr id="5" name="Picture 4">
+            <a:extLst>
+              <a:ext uri="{FF2B5EF4-FFF2-40B4-BE49-F238E27FC236}">
+                <a16:creationId xmlns:a16="http://schemas.microsoft.com/office/drawing/2014/main" id="{6C7CF5E5-EAB6-EF40-9055-314688599EBD}"/>
+              </a:ext>
+            </a:extLst>
+          </p:cNvPr>
+          <p:cNvPicPr>
+            <a:picLocks noChangeAspect="1"/>
+          </p:cNvPicPr>
+          <p:nvPr/>
+        </p:nvPicPr>
+        <p:blipFill>
+          <a:blip r:embed="rId3"/>
+          <a:stretch>
+            <a:fillRect/>
+          </a:stretch>
+        </p:blipFill>
+        <p:spPr>
+          <a:xfrm>
+            <a:off x="1221913" y="4469142"/>
+            <a:ext cx="2067213" cy="1495634"/>
+          </a:xfrm>
+          <a:prstGeom prst="rect">
+            <a:avLst/>
+          </a:prstGeom>
+        </p:spPr>
+      </p:pic>
+      <p:pic>
+        <p:nvPicPr>
+          <p:cNvPr id="8" name="Picture 7">
+            <a:extLst>
+              <a:ext uri="{FF2B5EF4-FFF2-40B4-BE49-F238E27FC236}">
+                <a16:creationId xmlns:a16="http://schemas.microsoft.com/office/drawing/2014/main" id="{B9A5DF27-3202-2A4E-5B14-30A79A4ED7B0}"/>
+              </a:ext>
+            </a:extLst>
+          </p:cNvPr>
+          <p:cNvPicPr>
+            <a:picLocks noChangeAspect="1"/>
+          </p:cNvPicPr>
+          <p:nvPr/>
+        </p:nvPicPr>
+        <p:blipFill>
+          <a:blip r:embed="rId4"/>
+          <a:stretch>
+            <a:fillRect/>
+          </a:stretch>
+        </p:blipFill>
+        <p:spPr>
+          <a:xfrm>
+            <a:off x="8050175" y="4449892"/>
+            <a:ext cx="1686160" cy="1676634"/>
+          </a:xfrm>
+          <a:prstGeom prst="rect">
+            <a:avLst/>
+          </a:prstGeom>
+        </p:spPr>
+      </p:pic>
+      <p:sp>
+        <p:nvSpPr>
+          <p:cNvPr id="4" name="Rectangle 3">
+            <a:extLst>
+              <a:ext uri="{FF2B5EF4-FFF2-40B4-BE49-F238E27FC236}">
+                <a16:creationId xmlns:a16="http://schemas.microsoft.com/office/drawing/2014/main" id="{AAEC419B-C626-DE4C-884B-E2B2FAE8ABFB}"/>
+              </a:ext>
+            </a:extLst>
+          </p:cNvPr>
+          <p:cNvSpPr/>
+          <p:nvPr/>
+        </p:nvSpPr>
+        <p:spPr>
+          <a:xfrm>
+            <a:off x="572655" y="4403712"/>
+            <a:ext cx="9744363" cy="343781"/>
+          </a:xfrm>
+          <a:prstGeom prst="rect">
+            <a:avLst/>
+          </a:prstGeom>
+          <a:solidFill>
+            <a:schemeClr val="bg1"/>
+          </a:solidFill>
+          <a:ln>
+            <a:solidFill>
+              <a:schemeClr val="bg1"/>
+            </a:solidFill>
+          </a:ln>
+        </p:spPr>
+        <p:style>
+          <a:lnRef idx="2">
+            <a:schemeClr val="accent1">
+              <a:shade val="15000"/>
+            </a:schemeClr>
+          </a:lnRef>
+          <a:fillRef idx="1">
+            <a:schemeClr val="accent1"/>
+          </a:fillRef>
+          <a:effectRef idx="0">
+            <a:schemeClr val="accent1"/>
+          </a:effectRef>
+          <a:fontRef idx="minor">
+            <a:schemeClr val="lt1"/>
+          </a:fontRef>
+        </p:style>
+        <p:txBody>
+          <a:bodyPr rtlCol="0" anchor="ctr"/>
+          <a:lstStyle/>
+          <a:p>
+            <a:pPr algn="ctr"/>
+            <a:endParaRPr lang="en-US"/>
+          </a:p>
+        </p:txBody>
+      </p:sp>
+    </p:spTree>
+    <p:extLst>
+      <p:ext uri="{BB962C8B-B14F-4D97-AF65-F5344CB8AC3E}">
+        <p14:creationId xmlns:p14="http://schemas.microsoft.com/office/powerpoint/2010/main" val="1336267145"/>
+      </p:ext>
+    </p:extLst>
+  </p:cSld>
+  <p:clrMapOvr>
+    <a:masterClrMapping/>
+  </p:clrMapOvr>
+</p:sld>
+</file>
+
+<file path=ppt/slides/slide15.xml><?xml version="1.0" encoding="utf-8"?>
+<p:sld xmlns:a="http://schemas.openxmlformats.org/drawingml/2006/main" xmlns:r="http://schemas.openxmlformats.org/officeDocument/2006/relationships" xmlns:p="http://schemas.openxmlformats.org/presentationml/2006/main">
+  <p:cSld>
+    <p:spTree>
+      <p:nvGrpSpPr>
+        <p:cNvPr id="1" name="">
+          <a:extLst>
+            <a:ext uri="{FF2B5EF4-FFF2-40B4-BE49-F238E27FC236}">
+              <a16:creationId xmlns:a16="http://schemas.microsoft.com/office/drawing/2014/main" id="{43D5DC93-6F32-4C99-51DD-6EC4C39CB642}"/>
+            </a:ext>
+          </a:extLst>
+        </p:cNvPr>
+        <p:cNvGrpSpPr/>
+        <p:nvPr/>
+      </p:nvGrpSpPr>
+      <p:grpSpPr>
+        <a:xfrm>
+          <a:off x="0" y="0"/>
+          <a:ext cx="0" cy="0"/>
+          <a:chOff x="0" y="0"/>
+          <a:chExt cx="0" cy="0"/>
+        </a:xfrm>
+      </p:grpSpPr>
+      <p:sp>
+        <p:nvSpPr>
+          <p:cNvPr id="2" name="Title 1">
+            <a:extLst>
+              <a:ext uri="{FF2B5EF4-FFF2-40B4-BE49-F238E27FC236}">
+                <a16:creationId xmlns:a16="http://schemas.microsoft.com/office/drawing/2014/main" id="{97F78B1E-C54B-D421-3D5A-75B92E8A723E}"/>
+              </a:ext>
+            </a:extLst>
+          </p:cNvPr>
+          <p:cNvSpPr>
+            <a:spLocks noGrp="1"/>
+          </p:cNvSpPr>
+          <p:nvPr>
+            <p:ph type="title"/>
+          </p:nvPr>
+        </p:nvSpPr>
+        <p:spPr/>
+        <p:txBody>
+          <a:bodyPr>
+            <a:noAutofit/>
+          </a:bodyPr>
+          <a:lstStyle/>
+          <a:p>
+            <a:r>
+              <a:rPr lang="en-US" sz="2800" dirty="0"/>
+              <a:t>Issue #2 phenol-carboxylate -&gt; InChI -&gt; carboxylic acid-phenolate</a:t>
+            </a:r>
+          </a:p>
+        </p:txBody>
+      </p:sp>
+      <p:sp>
+        <p:nvSpPr>
+          <p:cNvPr id="3" name="Content Placeholder 2">
+            <a:extLst>
+              <a:ext uri="{FF2B5EF4-FFF2-40B4-BE49-F238E27FC236}">
+                <a16:creationId xmlns:a16="http://schemas.microsoft.com/office/drawing/2014/main" id="{BEFA565D-83A6-9DC0-E96C-FBA8F5AE7462}"/>
+              </a:ext>
+            </a:extLst>
+          </p:cNvPr>
+          <p:cNvSpPr>
+            <a:spLocks noGrp="1"/>
+          </p:cNvSpPr>
+          <p:nvPr>
+            <p:ph idx="1"/>
+          </p:nvPr>
+        </p:nvSpPr>
+        <p:spPr>
+          <a:xfrm>
+            <a:off x="838199" y="1825625"/>
+            <a:ext cx="10975109" cy="4953866"/>
+          </a:xfrm>
+        </p:spPr>
+        <p:txBody>
+          <a:bodyPr>
+            <a:normAutofit/>
+          </a:bodyPr>
+          <a:lstStyle/>
+          <a:p>
+            <a:pPr marL="0" indent="0">
+              <a:buNone/>
+            </a:pPr>
+            <a:r>
+              <a:rPr lang="en-US" sz="2400" dirty="0"/>
+              <a:t>This is less well-known. Again, it is not a bug, in the sense that InChI never has guaranteed a “reasonable” internal chemical model, just one that gets the job done to create a definitive InChI. In this case, the issue is that the anion of a structure that is both a phenol and a carboxylic acid gives a model that is a phenolate, not a carboxylate. </a:t>
+            </a:r>
+          </a:p>
+          <a:p>
+            <a:pPr marL="0" indent="0">
+              <a:buNone/>
+            </a:pPr>
+            <a:r>
+              <a:rPr lang="en-US" sz="2400" dirty="0"/>
+              <a:t>For example: </a:t>
+            </a:r>
+            <a:r>
+              <a:rPr lang="pt-BR" sz="2000" dirty="0">
+                <a:hlinkClick r:id="rId2"/>
+              </a:rPr>
+              <a:t>InChI=1S/C9H10O3/c10-8-4-1-7(2-5-8)3-6-9(11)12/h1-2,4-5,10H,3,6H2,(H,11,12)/p-1</a:t>
+            </a:r>
+            <a:endParaRPr lang="pt-BR" sz="2000" dirty="0"/>
+          </a:p>
+          <a:p>
+            <a:pPr marL="0" indent="0">
+              <a:buNone/>
+            </a:pPr>
+            <a:endParaRPr lang="en-US" sz="2400" dirty="0"/>
+          </a:p>
+          <a:p>
+            <a:pPr marL="0" indent="0">
+              <a:buNone/>
+            </a:pPr>
+            <a:r>
+              <a:rPr lang="en-US" sz="2400" dirty="0"/>
+              <a:t>Without “</a:t>
+            </a:r>
+            <a:r>
+              <a:rPr lang="en-US" sz="2400" dirty="0" err="1"/>
+              <a:t>fixacid</a:t>
+            </a:r>
+            <a:r>
+              <a:rPr lang="en-US" sz="2400" dirty="0"/>
+              <a:t>”:                                                                  With “</a:t>
+            </a:r>
+            <a:r>
+              <a:rPr lang="en-US" sz="2400" dirty="0" err="1"/>
+              <a:t>fixacid</a:t>
+            </a:r>
+            <a:r>
+              <a:rPr lang="en-US" sz="2400" dirty="0"/>
+              <a:t>”</a:t>
+            </a:r>
+          </a:p>
+          <a:p>
+            <a:pPr marL="0" indent="0">
+              <a:buNone/>
+            </a:pPr>
+            <a:endParaRPr lang="en-US" sz="2400" dirty="0"/>
+          </a:p>
+        </p:txBody>
+      </p:sp>
+      <p:pic>
+        <p:nvPicPr>
+          <p:cNvPr id="7" name="Picture 6">
+            <a:extLst>
+              <a:ext uri="{FF2B5EF4-FFF2-40B4-BE49-F238E27FC236}">
+                <a16:creationId xmlns:a16="http://schemas.microsoft.com/office/drawing/2014/main" id="{E6D1FE70-E930-88CF-0451-5903964C8E19}"/>
+              </a:ext>
+            </a:extLst>
+          </p:cNvPr>
+          <p:cNvPicPr>
+            <a:picLocks noChangeAspect="1"/>
+          </p:cNvPicPr>
+          <p:nvPr/>
+        </p:nvPicPr>
+        <p:blipFill>
+          <a:blip r:embed="rId3"/>
+          <a:stretch>
+            <a:fillRect/>
+          </a:stretch>
+        </p:blipFill>
+        <p:spPr>
+          <a:xfrm>
+            <a:off x="7738743" y="5119294"/>
+            <a:ext cx="2514951" cy="1514686"/>
+          </a:xfrm>
+          <a:prstGeom prst="rect">
+            <a:avLst/>
+          </a:prstGeom>
+        </p:spPr>
+      </p:pic>
+      <p:pic>
+        <p:nvPicPr>
+          <p:cNvPr id="10" name="Picture 9">
+            <a:extLst>
+              <a:ext uri="{FF2B5EF4-FFF2-40B4-BE49-F238E27FC236}">
+                <a16:creationId xmlns:a16="http://schemas.microsoft.com/office/drawing/2014/main" id="{FBF75556-18B7-B30E-69A8-760F7CB7FD58}"/>
+              </a:ext>
+            </a:extLst>
+          </p:cNvPr>
+          <p:cNvPicPr>
+            <a:picLocks noChangeAspect="1"/>
+          </p:cNvPicPr>
+          <p:nvPr/>
+        </p:nvPicPr>
+        <p:blipFill>
+          <a:blip r:embed="rId4"/>
+          <a:stretch>
+            <a:fillRect/>
+          </a:stretch>
+        </p:blipFill>
+        <p:spPr>
+          <a:xfrm>
+            <a:off x="1267944" y="5110058"/>
+            <a:ext cx="2562583" cy="1571844"/>
+          </a:xfrm>
+          <a:prstGeom prst="rect">
+            <a:avLst/>
+          </a:prstGeom>
+        </p:spPr>
+      </p:pic>
+    </p:spTree>
+    <p:extLst>
+      <p:ext uri="{BB962C8B-B14F-4D97-AF65-F5344CB8AC3E}">
+        <p14:creationId xmlns:p14="http://schemas.microsoft.com/office/powerpoint/2010/main" val="2304419022"/>
+      </p:ext>
+    </p:extLst>
+  </p:cSld>
+  <p:clrMapOvr>
+    <a:masterClrMapping/>
+  </p:clrMapOvr>
+</p:sld>
+</file>
+
+<file path=ppt/slides/slide16.xml><?xml version="1.0" encoding="utf-8"?>
+<p:sld xmlns:a="http://schemas.openxmlformats.org/drawingml/2006/main" xmlns:r="http://schemas.openxmlformats.org/officeDocument/2006/relationships" xmlns:p="http://schemas.openxmlformats.org/presentationml/2006/main">
+  <p:cSld>
+    <p:spTree>
+      <p:nvGrpSpPr>
+        <p:cNvPr id="1" name="">
+          <a:extLst>
+            <a:ext uri="{FF2B5EF4-FFF2-40B4-BE49-F238E27FC236}">
+              <a16:creationId xmlns:a16="http://schemas.microsoft.com/office/drawing/2014/main" id="{84F8194C-3D7E-BB92-12D5-131DBC19D121}"/>
+            </a:ext>
+          </a:extLst>
+        </p:cNvPr>
+        <p:cNvGrpSpPr/>
+        <p:nvPr/>
+      </p:nvGrpSpPr>
+      <p:grpSpPr>
+        <a:xfrm>
+          <a:off x="0" y="0"/>
+          <a:ext cx="0" cy="0"/>
+          <a:chOff x="0" y="0"/>
+          <a:chExt cx="0" cy="0"/>
+        </a:xfrm>
+      </p:grpSpPr>
+      <p:sp>
+        <p:nvSpPr>
+          <p:cNvPr id="2" name="Title 1">
+            <a:extLst>
+              <a:ext uri="{FF2B5EF4-FFF2-40B4-BE49-F238E27FC236}">
+                <a16:creationId xmlns:a16="http://schemas.microsoft.com/office/drawing/2014/main" id="{30225D64-6E75-99D0-28BF-BD8F918266D7}"/>
+              </a:ext>
+            </a:extLst>
+          </p:cNvPr>
+          <p:cNvSpPr>
+            <a:spLocks noGrp="1"/>
+          </p:cNvSpPr>
+          <p:nvPr>
+            <p:ph type="title"/>
+          </p:nvPr>
+        </p:nvSpPr>
+        <p:spPr/>
+        <p:txBody>
+          <a:bodyPr>
+            <a:noAutofit/>
+          </a:bodyPr>
+          <a:lstStyle/>
+          <a:p>
+            <a:r>
+              <a:rPr lang="en-US" sz="2800" dirty="0"/>
+              <a:t>Issue #3 ammonium-phenol loss of stereochemistry</a:t>
+            </a:r>
+          </a:p>
+        </p:txBody>
+      </p:sp>
+      <p:sp>
+        <p:nvSpPr>
+          <p:cNvPr id="3" name="Content Placeholder 2">
+            <a:extLst>
+              <a:ext uri="{FF2B5EF4-FFF2-40B4-BE49-F238E27FC236}">
+                <a16:creationId xmlns:a16="http://schemas.microsoft.com/office/drawing/2014/main" id="{0EA7BC41-A538-9A28-6AE4-A17E801F5670}"/>
+              </a:ext>
+            </a:extLst>
+          </p:cNvPr>
+          <p:cNvSpPr>
+            <a:spLocks noGrp="1"/>
+          </p:cNvSpPr>
+          <p:nvPr>
+            <p:ph idx="1"/>
+          </p:nvPr>
+        </p:nvSpPr>
+        <p:spPr>
+          <a:xfrm>
+            <a:off x="838199" y="1825625"/>
+            <a:ext cx="10975109" cy="4953866"/>
+          </a:xfrm>
+        </p:spPr>
+        <p:txBody>
+          <a:bodyPr>
+            <a:normAutofit/>
+          </a:bodyPr>
+          <a:lstStyle/>
+          <a:p>
+            <a:pPr marL="0" indent="0">
+              <a:buNone/>
+            </a:pPr>
+            <a:r>
+              <a:rPr lang="en-US" sz="2400" dirty="0"/>
+              <a:t>This is a rather odd case that is a bug, because it is a loss of information in the InChI relative to the input structure. It is mentioned in the Tech Manual as “should be corrected”. No fix for this is known at this time, however. For example:</a:t>
+            </a:r>
+          </a:p>
+          <a:p>
+            <a:pPr marL="0" indent="0">
+              <a:buNone/>
+            </a:pPr>
+            <a:r>
+              <a:rPr lang="en-US" sz="2400" dirty="0"/>
+              <a:t>    </a:t>
+            </a:r>
+            <a:r>
+              <a:rPr lang="pt-BR" sz="2000" dirty="0">
+                <a:hlinkClick r:id="rId2"/>
+              </a:rPr>
+              <a:t>InChI=1S/C14H19NO2/c1-11(16)5-6-12-7-8-14(17)13(9-12)10-15(2,3)4/h5-9H,10H2,1-4H3/p+1</a:t>
+            </a:r>
+            <a:endParaRPr lang="pt-BR" sz="2000" dirty="0"/>
+          </a:p>
+          <a:p>
+            <a:pPr marL="0" indent="0">
+              <a:buNone/>
+            </a:pPr>
+            <a:endParaRPr lang="en-US" sz="2400" dirty="0"/>
+          </a:p>
+          <a:p>
+            <a:pPr marL="0" indent="0">
+              <a:buNone/>
+            </a:pPr>
+            <a:r>
+              <a:rPr lang="en-US" sz="2400" dirty="0" err="1"/>
+              <a:t>OpenChemLib</a:t>
+            </a:r>
+            <a:r>
+              <a:rPr lang="en-US" sz="2400" dirty="0"/>
+              <a:t> input:                                          CDK output from InChI:</a:t>
+            </a:r>
+          </a:p>
+          <a:p>
+            <a:pPr marL="0" indent="0">
+              <a:buNone/>
+            </a:pPr>
+            <a:endParaRPr lang="en-US" sz="2400" dirty="0"/>
+          </a:p>
+          <a:p>
+            <a:pPr marL="0" indent="0">
+              <a:buNone/>
+            </a:pPr>
+            <a:endParaRPr lang="en-US" sz="2400" dirty="0"/>
+          </a:p>
+        </p:txBody>
+      </p:sp>
+      <p:pic>
+        <p:nvPicPr>
+          <p:cNvPr id="5" name="Picture 4">
+            <a:extLst>
+              <a:ext uri="{FF2B5EF4-FFF2-40B4-BE49-F238E27FC236}">
+                <a16:creationId xmlns:a16="http://schemas.microsoft.com/office/drawing/2014/main" id="{7DD3576D-5BF0-7956-DE56-0B5FFAFF8BED}"/>
+              </a:ext>
+            </a:extLst>
+          </p:cNvPr>
+          <p:cNvPicPr>
+            <a:picLocks noChangeAspect="1"/>
+          </p:cNvPicPr>
+          <p:nvPr/>
+        </p:nvPicPr>
+        <p:blipFill>
+          <a:blip r:embed="rId3"/>
+          <a:stretch>
+            <a:fillRect/>
+          </a:stretch>
+        </p:blipFill>
+        <p:spPr>
+          <a:xfrm>
+            <a:off x="490889" y="4519219"/>
+            <a:ext cx="3248478" cy="1495634"/>
+          </a:xfrm>
+          <a:prstGeom prst="rect">
+            <a:avLst/>
+          </a:prstGeom>
+        </p:spPr>
+      </p:pic>
+      <p:pic>
+        <p:nvPicPr>
+          <p:cNvPr id="13" name="Picture 12">
+            <a:extLst>
+              <a:ext uri="{FF2B5EF4-FFF2-40B4-BE49-F238E27FC236}">
+                <a16:creationId xmlns:a16="http://schemas.microsoft.com/office/drawing/2014/main" id="{BB7CC29A-FA1A-57B1-2AA9-C1EE43CA857A}"/>
+              </a:ext>
+            </a:extLst>
+          </p:cNvPr>
+          <p:cNvPicPr>
+            <a:picLocks noChangeAspect="1"/>
+          </p:cNvPicPr>
+          <p:nvPr/>
+        </p:nvPicPr>
+        <p:blipFill>
+          <a:blip r:embed="rId4"/>
+          <a:stretch>
+            <a:fillRect/>
+          </a:stretch>
+        </p:blipFill>
+        <p:spPr>
+          <a:xfrm>
+            <a:off x="6651130" y="4599709"/>
+            <a:ext cx="2752502" cy="1138053"/>
+          </a:xfrm>
+          <a:prstGeom prst="rect">
+            <a:avLst/>
+          </a:prstGeom>
+        </p:spPr>
+      </p:pic>
+    </p:spTree>
+    <p:extLst>
+      <p:ext uri="{BB962C8B-B14F-4D97-AF65-F5344CB8AC3E}">
+        <p14:creationId xmlns:p14="http://schemas.microsoft.com/office/powerpoint/2010/main" val="1693234142"/>
+      </p:ext>
+    </p:extLst>
+  </p:cSld>
+  <p:clrMapOvr>
+    <a:masterClrMapping/>
+  </p:clrMapOvr>
+</p:sld>
+</file>
+
+<file path=ppt/slides/slide17.xml><?xml version="1.0" encoding="utf-8"?>
+<p:sld xmlns:a="http://schemas.openxmlformats.org/drawingml/2006/main" xmlns:r="http://schemas.openxmlformats.org/officeDocument/2006/relationships" xmlns:p="http://schemas.openxmlformats.org/presentationml/2006/main">
+  <p:cSld>
+    <p:spTree>
+      <p:nvGrpSpPr>
         <p:cNvPr id="1" name=""/>
         <p:cNvGrpSpPr/>
         <p:nvPr/>
@@ -4207,7 +5680,7 @@
         </p:spPr>
         <p:txBody>
           <a:bodyPr>
-            <a:normAutofit lnSpcReduction="10000"/>
+            <a:normAutofit/>
           </a:bodyPr>
           <a:lstStyle/>
           <a:p>
@@ -4215,35 +5688,35 @@
               <a:buNone/>
             </a:pPr>
             <a:r>
-              <a:rPr lang="en-US" dirty="0"/>
+              <a:rPr lang="en-US" sz="2400" dirty="0"/>
               <a:t>The following examples use </a:t>
             </a:r>
             <a:r>
-              <a:rPr lang="en-US" dirty="0" err="1"/>
+              <a:rPr lang="en-US" sz="2400" dirty="0" err="1"/>
               <a:t>SwingJS</a:t>
             </a:r>
             <a:r>
-              <a:rPr lang="en-US" dirty="0"/>
+              <a:rPr lang="en-US" sz="2400" dirty="0"/>
               <a:t>. As such, the Java methods map directly to JavaScript functions. All of the functions </a:t>
             </a:r>
             <a:r>
-              <a:rPr lang="en-US" b="1" dirty="0"/>
+              <a:rPr lang="en-US" sz="2400" b="1" dirty="0"/>
               <a:t>in bold </a:t>
             </a:r>
             <a:r>
-              <a:rPr lang="en-US" dirty="0"/>
+              <a:rPr lang="en-US" sz="2400" dirty="0"/>
               <a:t>are written in Java. They are accessed in both Java and JavaScript. For JavaScript apps not using </a:t>
             </a:r>
             <a:r>
-              <a:rPr lang="en-US" dirty="0" err="1"/>
+              <a:rPr lang="en-US" sz="2400" dirty="0" err="1"/>
               <a:t>SwingJS</a:t>
             </a:r>
             <a:r>
-              <a:rPr lang="en-US" dirty="0"/>
+              <a:rPr lang="en-US" sz="2400" dirty="0"/>
               <a:t>, we would provide </a:t>
             </a:r>
             <a:r>
-              <a:rPr lang="en-US" dirty="0">
+              <a:rPr lang="en-US" sz="2400" dirty="0">
                 <a:solidFill>
                   <a:srgbClr val="FF0000"/>
                 </a:solidFill>
@@ -4251,39 +5724,39 @@
               <a:t>IXA calls </a:t>
             </a:r>
             <a:r>
-              <a:rPr lang="en-US" dirty="0"/>
+              <a:rPr lang="en-US" sz="2400" dirty="0"/>
               <a:t>using </a:t>
             </a:r>
             <a:r>
-              <a:rPr lang="en-US" dirty="0" err="1"/>
+              <a:rPr lang="en-US" sz="2400" dirty="0" err="1"/>
               <a:t>Emscripten</a:t>
             </a:r>
             <a:r>
-              <a:rPr lang="en-US" dirty="0"/>
+              <a:rPr lang="en-US" sz="2400" dirty="0"/>
               <a:t> methods </a:t>
             </a:r>
             <a:r>
-              <a:rPr lang="en-US" i="1" dirty="0" err="1"/>
+              <a:rPr lang="en-US" sz="2400" i="1" dirty="0" err="1"/>
               <a:t>cwrap</a:t>
             </a:r>
             <a:r>
-              <a:rPr lang="en-US" dirty="0"/>
+              <a:rPr lang="en-US" sz="2400" dirty="0"/>
               <a:t> and </a:t>
             </a:r>
             <a:r>
-              <a:rPr lang="en-US" i="1" dirty="0" err="1"/>
+              <a:rPr lang="en-US" sz="2400" i="1" dirty="0" err="1"/>
               <a:t>ccall</a:t>
             </a:r>
             <a:r>
-              <a:rPr lang="en-US" dirty="0"/>
+              <a:rPr lang="en-US" sz="2400" dirty="0"/>
               <a:t>. (And the apps would be responsible for anything else). But in </a:t>
             </a:r>
             <a:r>
-              <a:rPr lang="en-US" dirty="0" err="1"/>
+              <a:rPr lang="en-US" sz="2400" dirty="0" err="1"/>
               <a:t>SwingJS</a:t>
             </a:r>
             <a:r>
-              <a:rPr lang="en-US" dirty="0"/>
+              <a:rPr lang="en-US" sz="2400" dirty="0"/>
               <a:t> that is already taken care of by the JavaScript version of the native library registration process. </a:t>
             </a:r>
           </a:p>
@@ -4292,109 +5765,97 @@
               <a:buNone/>
             </a:pPr>
             <a:r>
-              <a:rPr lang="en-US" dirty="0"/>
+              <a:rPr lang="en-US" sz="2400" dirty="0"/>
               <a:t>Classes </a:t>
             </a:r>
             <a:r>
-              <a:rPr lang="en-US" dirty="0" err="1"/>
+              <a:rPr lang="en-US" sz="2400" dirty="0" err="1"/>
               <a:t>swingjs.CDK</a:t>
             </a:r>
             <a:r>
-              <a:rPr lang="en-US" dirty="0"/>
+              <a:rPr lang="en-US" sz="2400" dirty="0"/>
               <a:t> and </a:t>
             </a:r>
             <a:r>
-              <a:rPr lang="en-US" dirty="0" err="1"/>
+              <a:rPr lang="en-US" sz="2400" dirty="0" err="1"/>
               <a:t>swingjs.OCL</a:t>
             </a:r>
             <a:r>
-              <a:rPr lang="en-US" dirty="0"/>
+              <a:rPr lang="en-US" sz="2400" dirty="0"/>
               <a:t> are imported in Java as </a:t>
             </a:r>
             <a:r>
-              <a:rPr lang="en-US" sz="2200" dirty="0">
+              <a:rPr lang="en-US" sz="2400" dirty="0">
                 <a:latin typeface="Consolas" panose="020B0609020204030204" pitchFamily="49" charset="0"/>
               </a:rPr>
               <a:t>CDK</a:t>
             </a:r>
             <a:r>
-              <a:rPr lang="en-US" dirty="0"/>
+              <a:rPr lang="en-US" sz="2400" dirty="0"/>
               <a:t> and </a:t>
             </a:r>
             <a:r>
-              <a:rPr lang="en-US" sz="2200" dirty="0">
+              <a:rPr lang="en-US" sz="2400" dirty="0">
                 <a:latin typeface="Consolas" panose="020B0609020204030204" pitchFamily="49" charset="0"/>
               </a:rPr>
               <a:t>OCL</a:t>
             </a:r>
             <a:r>
-              <a:rPr lang="en-US" dirty="0"/>
+              <a:rPr lang="en-US" sz="2400" dirty="0"/>
               <a:t>. In the JavaScript they are script-local references to </a:t>
             </a:r>
             <a:r>
-              <a:rPr lang="en-US" sz="2200" dirty="0">
-                <a:latin typeface="Consolas" panose="020B0609020204030204" pitchFamily="49" charset="0"/>
-              </a:rPr>
-              <a:t>var CDL = </a:t>
-            </a:r>
-            <a:r>
-              <a:rPr lang="en-US" sz="2200" dirty="0" err="1">
+              <a:rPr lang="en-US" sz="2400" dirty="0">
+                <a:latin typeface="Consolas" panose="020B0609020204030204" pitchFamily="49" charset="0"/>
+              </a:rPr>
+              <a:t>var CDK = </a:t>
+            </a:r>
+            <a:r>
+              <a:rPr lang="en-US" sz="2400" dirty="0" err="1">
                 <a:latin typeface="Consolas" panose="020B0609020204030204" pitchFamily="49" charset="0"/>
               </a:rPr>
               <a:t>swingjs.CDK</a:t>
             </a:r>
             <a:r>
-              <a:rPr lang="en-US" dirty="0"/>
+              <a:rPr lang="en-US" sz="2400" dirty="0"/>
               <a:t> and </a:t>
             </a:r>
             <a:r>
-              <a:rPr lang="en-US" sz="2200" dirty="0">
+              <a:rPr lang="en-US" sz="2400" dirty="0">
                 <a:latin typeface="Consolas" panose="020B0609020204030204" pitchFamily="49" charset="0"/>
               </a:rPr>
               <a:t>var OCL = </a:t>
             </a:r>
             <a:r>
-              <a:rPr lang="en-US" sz="2200" dirty="0" err="1">
+              <a:rPr lang="en-US" sz="2400" dirty="0" err="1">
                 <a:latin typeface="Consolas" panose="020B0609020204030204" pitchFamily="49" charset="0"/>
               </a:rPr>
               <a:t>swingjs.OCL</a:t>
             </a:r>
             <a:r>
-              <a:rPr lang="en-US" dirty="0"/>
+              <a:rPr lang="en-US" sz="2400" dirty="0"/>
               <a:t>. These two classes provide equivalent calls in CDK and OCL in both Java and JavaScript for generally useful InChI-related methods. IXA in Java refers (currently) to </a:t>
             </a:r>
             <a:r>
-              <a:rPr lang="en-US" sz="2200" dirty="0">
+              <a:rPr lang="en-US" sz="2400" dirty="0">
                 <a:latin typeface="Consolas" panose="020B0609020204030204" pitchFamily="49" charset="0"/>
               </a:rPr>
               <a:t>io.github.dan2097.jnainchi.IXA</a:t>
             </a:r>
             <a:r>
-              <a:rPr lang="en-US" dirty="0">
-                <a:latin typeface="Consolas" panose="020B0609020204030204" pitchFamily="49" charset="0"/>
-              </a:rPr>
-              <a:t>,</a:t>
-            </a:r>
-            <a:r>
-              <a:rPr lang="en-US" dirty="0"/>
-              <a:t> and in JavaScript refers to the same, but is also aliased to </a:t>
-            </a:r>
-            <a:r>
-              <a:rPr lang="en-US" sz="2200" dirty="0">
+              <a:rPr lang="en-US" sz="2400" dirty="0"/>
+              <a:t>, and in JavaScript refers to that as well, but is also aliased in JavaScript to </a:t>
+            </a:r>
+            <a:r>
+              <a:rPr lang="en-US" sz="2400" dirty="0">
                 <a:latin typeface="Consolas" panose="020B0609020204030204" pitchFamily="49" charset="0"/>
               </a:rPr>
               <a:t>J2S.wasm.jnainchi.IXA</a:t>
             </a:r>
             <a:r>
-              <a:rPr lang="en-US" dirty="0"/>
+              <a:rPr lang="en-US" sz="2400" dirty="0"/>
               <a:t>.</a:t>
             </a:r>
-          </a:p>
-          <a:p>
-            <a:pPr marL="0" indent="0">
-              <a:buNone/>
-            </a:pPr>
-            <a:endParaRPr lang="en-US" dirty="0"/>
           </a:p>
         </p:txBody>
       </p:sp>
@@ -4411,7 +5872,7 @@
 </p:sld>
 </file>
 
-<file path=ppt/slides/slide13.xml><?xml version="1.0" encoding="utf-8"?>
+<file path=ppt/slides/slide18.xml><?xml version="1.0" encoding="utf-8"?>
 <p:sld xmlns:a="http://schemas.openxmlformats.org/drawingml/2006/main" xmlns:r="http://schemas.openxmlformats.org/officeDocument/2006/relationships" xmlns:p="http://schemas.openxmlformats.org/presentationml/2006/main">
   <p:cSld>
     <p:spTree>
@@ -5271,7 +6732,7 @@
 </p:sld>
 </file>
 
-<file path=ppt/slides/slide14.xml><?xml version="1.0" encoding="utf-8"?>
+<file path=ppt/slides/slide19.xml><?xml version="1.0" encoding="utf-8"?>
 <p:sld xmlns:a="http://schemas.openxmlformats.org/drawingml/2006/main" xmlns:r="http://schemas.openxmlformats.org/officeDocument/2006/relationships" xmlns:p="http://schemas.openxmlformats.org/presentationml/2006/main">
   <p:cSld>
     <p:spTree>
@@ -6090,739 +7551,6 @@
     <p:extLst>
       <p:ext uri="{BB962C8B-B14F-4D97-AF65-F5344CB8AC3E}">
         <p14:creationId xmlns:p14="http://schemas.microsoft.com/office/powerpoint/2010/main" val="1005988298"/>
-      </p:ext>
-    </p:extLst>
-  </p:cSld>
-  <p:clrMapOvr>
-    <a:masterClrMapping/>
-  </p:clrMapOvr>
-</p:sld>
-</file>
-
-<file path=ppt/slides/slide15.xml><?xml version="1.0" encoding="utf-8"?>
-<p:sld xmlns:a="http://schemas.openxmlformats.org/drawingml/2006/main" xmlns:r="http://schemas.openxmlformats.org/officeDocument/2006/relationships" xmlns:p="http://schemas.openxmlformats.org/presentationml/2006/main">
-  <p:cSld>
-    <p:spTree>
-      <p:nvGrpSpPr>
-        <p:cNvPr id="1" name="">
-          <a:extLst>
-            <a:ext uri="{FF2B5EF4-FFF2-40B4-BE49-F238E27FC236}">
-              <a16:creationId xmlns:a16="http://schemas.microsoft.com/office/drawing/2014/main" id="{0B95FE9C-E17E-1F58-0CC0-46CBFC53C51A}"/>
-            </a:ext>
-          </a:extLst>
-        </p:cNvPr>
-        <p:cNvGrpSpPr/>
-        <p:nvPr/>
-      </p:nvGrpSpPr>
-      <p:grpSpPr>
-        <a:xfrm>
-          <a:off x="0" y="0"/>
-          <a:ext cx="0" cy="0"/>
-          <a:chOff x="0" y="0"/>
-          <a:chExt cx="0" cy="0"/>
-        </a:xfrm>
-      </p:grpSpPr>
-      <p:sp>
-        <p:nvSpPr>
-          <p:cNvPr id="2" name="Title 1">
-            <a:extLst>
-              <a:ext uri="{FF2B5EF4-FFF2-40B4-BE49-F238E27FC236}">
-                <a16:creationId xmlns:a16="http://schemas.microsoft.com/office/drawing/2014/main" id="{98FFC2CD-8012-6888-1F76-0EE953FE4A1F}"/>
-              </a:ext>
-            </a:extLst>
-          </p:cNvPr>
-          <p:cNvSpPr>
-            <a:spLocks noGrp="1"/>
-          </p:cNvSpPr>
-          <p:nvPr>
-            <p:ph type="title"/>
-          </p:nvPr>
-        </p:nvSpPr>
-        <p:spPr>
-          <a:xfrm>
-            <a:off x="838200" y="365125"/>
-            <a:ext cx="11186160" cy="1325563"/>
-          </a:xfrm>
-        </p:spPr>
-        <p:txBody>
-          <a:bodyPr/>
-          <a:lstStyle/>
-          <a:p>
-            <a:r>
-              <a:rPr lang="en-US" dirty="0"/>
-              <a:t>Coding examples (</a:t>
-            </a:r>
-            <a:r>
-              <a:rPr lang="en-US" dirty="0" err="1"/>
-              <a:t>SwingJS</a:t>
-            </a:r>
-            <a:r>
-              <a:rPr lang="en-US" dirty="0"/>
-              <a:t> CDK to OCL molecule)</a:t>
-            </a:r>
-          </a:p>
-        </p:txBody>
-      </p:sp>
-      <p:sp>
-        <p:nvSpPr>
-          <p:cNvPr id="3" name="Content Placeholder 2">
-            <a:extLst>
-              <a:ext uri="{FF2B5EF4-FFF2-40B4-BE49-F238E27FC236}">
-                <a16:creationId xmlns:a16="http://schemas.microsoft.com/office/drawing/2014/main" id="{36EA4D79-08CC-E560-6BF5-23C5457EF4A2}"/>
-              </a:ext>
-            </a:extLst>
-          </p:cNvPr>
-          <p:cNvSpPr>
-            <a:spLocks noGrp="1"/>
-          </p:cNvSpPr>
-          <p:nvPr>
-            <p:ph idx="1"/>
-          </p:nvPr>
-        </p:nvSpPr>
-        <p:spPr>
-          <a:xfrm>
-            <a:off x="621792" y="1825624"/>
-            <a:ext cx="11570208" cy="4794631"/>
-          </a:xfrm>
-        </p:spPr>
-        <p:txBody>
-          <a:bodyPr>
-            <a:noAutofit/>
-          </a:bodyPr>
-          <a:lstStyle/>
-          <a:p>
-            <a:pPr marL="0" indent="0">
-              <a:lnSpc>
-                <a:spcPct val="100000"/>
-              </a:lnSpc>
-              <a:spcBef>
-                <a:spcPts val="0"/>
-              </a:spcBef>
-              <a:buNone/>
-            </a:pPr>
-            <a:r>
-              <a:rPr lang="en-US" sz="2400" dirty="0"/>
-              <a:t>Java:</a:t>
-            </a:r>
-          </a:p>
-          <a:p>
-            <a:pPr marL="0" indent="0">
-              <a:lnSpc>
-                <a:spcPct val="100000"/>
-              </a:lnSpc>
-              <a:spcBef>
-                <a:spcPts val="0"/>
-              </a:spcBef>
-              <a:buNone/>
-            </a:pPr>
-            <a:endParaRPr lang="en-US" sz="1600" dirty="0">
-              <a:latin typeface="Consolas" panose="020B0609020204030204" pitchFamily="49" charset="0"/>
-            </a:endParaRPr>
-          </a:p>
-          <a:p>
-            <a:pPr marL="0" indent="0">
-              <a:lnSpc>
-                <a:spcPct val="100000"/>
-              </a:lnSpc>
-              <a:spcBef>
-                <a:spcPts val="0"/>
-              </a:spcBef>
-              <a:buNone/>
-            </a:pPr>
-            <a:r>
-              <a:rPr lang="en-US" sz="1600" dirty="0" err="1">
-                <a:latin typeface="Consolas" panose="020B0609020204030204" pitchFamily="49" charset="0"/>
-              </a:rPr>
-              <a:t>StereoMolecule</a:t>
-            </a:r>
-            <a:r>
-              <a:rPr lang="en-US" sz="1600" dirty="0">
-                <a:latin typeface="Consolas" panose="020B0609020204030204" pitchFamily="49" charset="0"/>
-              </a:rPr>
-              <a:t> </a:t>
-            </a:r>
-            <a:r>
-              <a:rPr lang="en-US" sz="1600" dirty="0" err="1">
-                <a:latin typeface="Consolas" panose="020B0609020204030204" pitchFamily="49" charset="0"/>
-              </a:rPr>
-              <a:t>cdkToOCLMolecule</a:t>
-            </a:r>
-            <a:r>
-              <a:rPr lang="en-US" sz="1600" dirty="0">
-                <a:latin typeface="Consolas" panose="020B0609020204030204" pitchFamily="49" charset="0"/>
-              </a:rPr>
-              <a:t> (</a:t>
-            </a:r>
-            <a:r>
-              <a:rPr lang="en-US" sz="1600" dirty="0" err="1">
-                <a:latin typeface="Consolas" panose="020B0609020204030204" pitchFamily="49" charset="0"/>
-              </a:rPr>
-              <a:t>IAtomContainer</a:t>
-            </a:r>
-            <a:r>
-              <a:rPr lang="en-US" sz="1600" dirty="0">
-                <a:latin typeface="Consolas" panose="020B0609020204030204" pitchFamily="49" charset="0"/>
-              </a:rPr>
-              <a:t> mol) {</a:t>
-            </a:r>
-          </a:p>
-          <a:p>
-            <a:pPr marL="0" indent="0">
-              <a:lnSpc>
-                <a:spcPct val="100000"/>
-              </a:lnSpc>
-              <a:spcBef>
-                <a:spcPts val="0"/>
-              </a:spcBef>
-              <a:buNone/>
-            </a:pPr>
-            <a:r>
-              <a:rPr lang="en-US" sz="1600" dirty="0">
-                <a:latin typeface="Consolas" panose="020B0609020204030204" pitchFamily="49" charset="0"/>
-              </a:rPr>
-              <a:t>   </a:t>
-            </a:r>
-            <a:r>
-              <a:rPr lang="en-US" sz="1600" dirty="0" err="1">
-                <a:latin typeface="Consolas" panose="020B0609020204030204" pitchFamily="49" charset="0"/>
-              </a:rPr>
-              <a:t>InchiInput</a:t>
-            </a:r>
-            <a:r>
-              <a:rPr lang="en-US" sz="1600" dirty="0">
-                <a:latin typeface="Consolas" panose="020B0609020204030204" pitchFamily="49" charset="0"/>
-              </a:rPr>
-              <a:t> input = </a:t>
-            </a:r>
-            <a:r>
-              <a:rPr lang="en-US" sz="1600" b="1" dirty="0" err="1">
-                <a:latin typeface="Consolas" panose="020B0609020204030204" pitchFamily="49" charset="0"/>
-              </a:rPr>
-              <a:t>CDK.getInchiInputFromCDKMolecule</a:t>
-            </a:r>
-            <a:r>
-              <a:rPr lang="en-US" sz="1600" b="1" dirty="0">
-                <a:latin typeface="Consolas" panose="020B0609020204030204" pitchFamily="49" charset="0"/>
-              </a:rPr>
-              <a:t>(mol)</a:t>
-            </a:r>
-            <a:r>
-              <a:rPr lang="en-US" sz="1600" dirty="0">
-                <a:latin typeface="Consolas" panose="020B0609020204030204" pitchFamily="49" charset="0"/>
-              </a:rPr>
-              <a:t>;</a:t>
-            </a:r>
-          </a:p>
-          <a:p>
-            <a:pPr marL="0" indent="0">
-              <a:lnSpc>
-                <a:spcPct val="100000"/>
-              </a:lnSpc>
-              <a:spcBef>
-                <a:spcPts val="0"/>
-              </a:spcBef>
-              <a:buNone/>
-            </a:pPr>
-            <a:r>
-              <a:rPr lang="en-US" sz="1600" dirty="0">
-                <a:latin typeface="Consolas" panose="020B0609020204030204" pitchFamily="49" charset="0"/>
-              </a:rPr>
-              <a:t>   return </a:t>
-            </a:r>
-            <a:r>
-              <a:rPr lang="en-US" sz="1600" b="1" dirty="0" err="1">
-                <a:solidFill>
-                  <a:srgbClr val="000000"/>
-                </a:solidFill>
-                <a:latin typeface="Consolas" panose="020B0609020204030204" pitchFamily="49" charset="0"/>
-              </a:rPr>
-              <a:t>OCL.getOCLMoleculeFromInchiInput</a:t>
-            </a:r>
-            <a:r>
-              <a:rPr lang="en-US" sz="1600" b="1" dirty="0">
-                <a:solidFill>
-                  <a:srgbClr val="000000"/>
-                </a:solidFill>
-                <a:latin typeface="Consolas" panose="020B0609020204030204" pitchFamily="49" charset="0"/>
-              </a:rPr>
-              <a:t>(input)</a:t>
-            </a:r>
-            <a:r>
-              <a:rPr lang="en-US" sz="1600" dirty="0">
-                <a:solidFill>
-                  <a:srgbClr val="000000"/>
-                </a:solidFill>
-                <a:latin typeface="Consolas" panose="020B0609020204030204" pitchFamily="49" charset="0"/>
-              </a:rPr>
-              <a:t>;</a:t>
-            </a:r>
-            <a:endParaRPr lang="en-US" sz="1600" dirty="0">
-              <a:latin typeface="Consolas" panose="020B0609020204030204" pitchFamily="49" charset="0"/>
-            </a:endParaRPr>
-          </a:p>
-          <a:p>
-            <a:pPr marL="0" indent="0">
-              <a:lnSpc>
-                <a:spcPct val="100000"/>
-              </a:lnSpc>
-              <a:spcBef>
-                <a:spcPts val="0"/>
-              </a:spcBef>
-              <a:buNone/>
-            </a:pPr>
-            <a:r>
-              <a:rPr lang="en-US" sz="1600" dirty="0">
-                <a:latin typeface="Consolas" panose="020B0609020204030204" pitchFamily="49" charset="0"/>
-              </a:rPr>
-              <a:t>}</a:t>
-            </a:r>
-          </a:p>
-          <a:p>
-            <a:pPr marL="0" indent="0">
-              <a:lnSpc>
-                <a:spcPct val="100000"/>
-              </a:lnSpc>
-              <a:spcBef>
-                <a:spcPts val="0"/>
-              </a:spcBef>
-              <a:buNone/>
-            </a:pPr>
-            <a:endParaRPr lang="en-US" sz="1600" dirty="0">
-              <a:latin typeface="Consolas" panose="020B0609020204030204" pitchFamily="49" charset="0"/>
-            </a:endParaRPr>
-          </a:p>
-          <a:p>
-            <a:pPr marL="0" indent="0">
-              <a:lnSpc>
-                <a:spcPct val="100000"/>
-              </a:lnSpc>
-              <a:spcBef>
-                <a:spcPts val="0"/>
-              </a:spcBef>
-              <a:buNone/>
-            </a:pPr>
-            <a:r>
-              <a:rPr lang="en-US" sz="2400" dirty="0"/>
-              <a:t>JavaScript (</a:t>
-            </a:r>
-            <a:r>
-              <a:rPr lang="en-US" sz="2400" dirty="0" err="1"/>
-              <a:t>SwingJS</a:t>
-            </a:r>
-            <a:r>
-              <a:rPr lang="en-US" sz="2400" dirty="0"/>
-              <a:t>):</a:t>
-            </a:r>
-          </a:p>
-          <a:p>
-            <a:pPr marL="0" indent="0">
-              <a:lnSpc>
-                <a:spcPct val="100000"/>
-              </a:lnSpc>
-              <a:spcBef>
-                <a:spcPts val="0"/>
-              </a:spcBef>
-              <a:buNone/>
-            </a:pPr>
-            <a:endParaRPr lang="en-US" sz="1600" dirty="0">
-              <a:latin typeface="Consolas" panose="020B0609020204030204" pitchFamily="49" charset="0"/>
-            </a:endParaRPr>
-          </a:p>
-          <a:p>
-            <a:pPr marL="0" indent="0">
-              <a:lnSpc>
-                <a:spcPct val="100000"/>
-              </a:lnSpc>
-              <a:spcBef>
-                <a:spcPts val="0"/>
-              </a:spcBef>
-              <a:buNone/>
-            </a:pPr>
-            <a:r>
-              <a:rPr lang="en-US" sz="1600">
-                <a:latin typeface="Consolas" panose="020B0609020204030204" pitchFamily="49" charset="0"/>
-              </a:rPr>
-              <a:t>cdkToOCLMolecule</a:t>
-            </a:r>
-            <a:r>
-              <a:rPr lang="en-US" sz="1600" dirty="0">
-                <a:latin typeface="Consolas" panose="020B0609020204030204" pitchFamily="49" charset="0"/>
-              </a:rPr>
-              <a:t> = function(mol) {</a:t>
-            </a:r>
-          </a:p>
-          <a:p>
-            <a:pPr marL="0" indent="0">
-              <a:lnSpc>
-                <a:spcPct val="100000"/>
-              </a:lnSpc>
-              <a:spcBef>
-                <a:spcPts val="0"/>
-              </a:spcBef>
-              <a:buNone/>
-            </a:pPr>
-            <a:r>
-              <a:rPr lang="en-US" sz="1600" dirty="0">
-                <a:latin typeface="Consolas" panose="020B0609020204030204" pitchFamily="49" charset="0"/>
-              </a:rPr>
-              <a:t>   var input = </a:t>
-            </a:r>
-            <a:r>
-              <a:rPr lang="en-US" sz="1600" b="1" dirty="0" err="1">
-                <a:latin typeface="Consolas" panose="020B0609020204030204" pitchFamily="49" charset="0"/>
-              </a:rPr>
-              <a:t>CDK.getInchiInputFromCDKMolecule</a:t>
-            </a:r>
-            <a:r>
-              <a:rPr lang="en-US" sz="1600" b="1" dirty="0">
-                <a:latin typeface="Consolas" panose="020B0609020204030204" pitchFamily="49" charset="0"/>
-              </a:rPr>
-              <a:t>(mol)</a:t>
-            </a:r>
-            <a:r>
-              <a:rPr lang="en-US" sz="1600" dirty="0">
-                <a:latin typeface="Consolas" panose="020B0609020204030204" pitchFamily="49" charset="0"/>
-              </a:rPr>
-              <a:t>;</a:t>
-            </a:r>
-          </a:p>
-          <a:p>
-            <a:pPr marL="0" indent="0">
-              <a:lnSpc>
-                <a:spcPct val="100000"/>
-              </a:lnSpc>
-              <a:spcBef>
-                <a:spcPts val="0"/>
-              </a:spcBef>
-              <a:buNone/>
-            </a:pPr>
-            <a:r>
-              <a:rPr lang="en-US" sz="1600" dirty="0">
-                <a:latin typeface="Consolas" panose="020B0609020204030204" pitchFamily="49" charset="0"/>
-              </a:rPr>
-              <a:t>   return </a:t>
-            </a:r>
-            <a:r>
-              <a:rPr lang="en-US" sz="1600" b="1" dirty="0" err="1">
-                <a:solidFill>
-                  <a:srgbClr val="000000"/>
-                </a:solidFill>
-                <a:latin typeface="Consolas" panose="020B0609020204030204" pitchFamily="49" charset="0"/>
-              </a:rPr>
-              <a:t>OCL.getOCLMoleculeFromInchiInput</a:t>
-            </a:r>
-            <a:r>
-              <a:rPr lang="en-US" sz="1600" b="1" dirty="0">
-                <a:solidFill>
-                  <a:srgbClr val="000000"/>
-                </a:solidFill>
-                <a:latin typeface="Consolas" panose="020B0609020204030204" pitchFamily="49" charset="0"/>
-              </a:rPr>
-              <a:t>(input)</a:t>
-            </a:r>
-            <a:r>
-              <a:rPr lang="en-US" sz="1600" dirty="0">
-                <a:solidFill>
-                  <a:srgbClr val="000000"/>
-                </a:solidFill>
-                <a:latin typeface="Consolas" panose="020B0609020204030204" pitchFamily="49" charset="0"/>
-              </a:rPr>
-              <a:t>;</a:t>
-            </a:r>
-            <a:endParaRPr lang="en-US" sz="1600" dirty="0">
-              <a:latin typeface="Consolas" panose="020B0609020204030204" pitchFamily="49" charset="0"/>
-            </a:endParaRPr>
-          </a:p>
-          <a:p>
-            <a:pPr marL="0" indent="0">
-              <a:lnSpc>
-                <a:spcPct val="100000"/>
-              </a:lnSpc>
-              <a:spcBef>
-                <a:spcPts val="0"/>
-              </a:spcBef>
-              <a:buNone/>
-            </a:pPr>
-            <a:r>
-              <a:rPr lang="en-US" sz="1600" dirty="0">
-                <a:latin typeface="Consolas" panose="020B0609020204030204" pitchFamily="49" charset="0"/>
-              </a:rPr>
-              <a:t>}</a:t>
-            </a:r>
-          </a:p>
-          <a:p>
-            <a:pPr marL="0" indent="0">
-              <a:lnSpc>
-                <a:spcPct val="100000"/>
-              </a:lnSpc>
-              <a:spcBef>
-                <a:spcPts val="0"/>
-              </a:spcBef>
-              <a:buNone/>
-            </a:pPr>
-            <a:endParaRPr lang="en-US" sz="1600" dirty="0">
-              <a:latin typeface="Consolas" panose="020B0609020204030204" pitchFamily="49" charset="0"/>
-            </a:endParaRPr>
-          </a:p>
-          <a:p>
-            <a:pPr marL="0" indent="0">
-              <a:lnSpc>
-                <a:spcPct val="100000"/>
-              </a:lnSpc>
-              <a:spcBef>
-                <a:spcPts val="0"/>
-              </a:spcBef>
-              <a:buNone/>
-            </a:pPr>
-            <a:endParaRPr lang="en-US" sz="1600" dirty="0">
-              <a:latin typeface="Consolas" panose="020B0609020204030204" pitchFamily="49" charset="0"/>
-            </a:endParaRPr>
-          </a:p>
-        </p:txBody>
-      </p:sp>
-      <p:sp>
-        <p:nvSpPr>
-          <p:cNvPr id="4" name="TextBox 3">
-            <a:extLst>
-              <a:ext uri="{FF2B5EF4-FFF2-40B4-BE49-F238E27FC236}">
-                <a16:creationId xmlns:a16="http://schemas.microsoft.com/office/drawing/2014/main" id="{03F6E31D-AFBF-D51F-475C-D23FD33004EB}"/>
-              </a:ext>
-            </a:extLst>
-          </p:cNvPr>
-          <p:cNvSpPr txBox="1"/>
-          <p:nvPr/>
-        </p:nvSpPr>
-        <p:spPr>
-          <a:xfrm>
-            <a:off x="6885432" y="4681728"/>
-            <a:ext cx="4325112" cy="2031325"/>
-          </a:xfrm>
-          <a:prstGeom prst="rect">
-            <a:avLst/>
-          </a:prstGeom>
-          <a:noFill/>
-        </p:spPr>
-        <p:txBody>
-          <a:bodyPr wrap="square" rtlCol="0">
-            <a:spAutoFit/>
-          </a:bodyPr>
-          <a:lstStyle/>
-          <a:p>
-            <a:r>
-              <a:rPr lang="en-US" dirty="0">
-                <a:solidFill>
-                  <a:srgbClr val="FF0000"/>
-                </a:solidFill>
-              </a:rPr>
-              <a:t>These two versions are essentially identical. In both Java and JavaScript, converting simple structures from CDK to and from OCL is just a matter of passing them through </a:t>
-            </a:r>
-            <a:r>
-              <a:rPr lang="en-US" dirty="0" err="1">
-                <a:solidFill>
-                  <a:srgbClr val="FF0000"/>
-                </a:solidFill>
-              </a:rPr>
-              <a:t>InchiInput</a:t>
-            </a:r>
-            <a:r>
-              <a:rPr lang="en-US" dirty="0">
-                <a:solidFill>
-                  <a:srgbClr val="FF0000"/>
-                </a:solidFill>
-              </a:rPr>
-              <a:t>. One need not actually create the InChI string. No string parsing is required, and no stereochemistry is lost.</a:t>
-            </a:r>
-          </a:p>
-        </p:txBody>
-      </p:sp>
-    </p:spTree>
-    <p:extLst>
-      <p:ext uri="{BB962C8B-B14F-4D97-AF65-F5344CB8AC3E}">
-        <p14:creationId xmlns:p14="http://schemas.microsoft.com/office/powerpoint/2010/main" val="2635264396"/>
-      </p:ext>
-    </p:extLst>
-  </p:cSld>
-  <p:clrMapOvr>
-    <a:masterClrMapping/>
-  </p:clrMapOvr>
-</p:sld>
-</file>
-
-<file path=ppt/slides/slide16.xml><?xml version="1.0" encoding="utf-8"?>
-<p:sld xmlns:a="http://schemas.openxmlformats.org/drawingml/2006/main" xmlns:r="http://schemas.openxmlformats.org/officeDocument/2006/relationships" xmlns:p="http://schemas.openxmlformats.org/presentationml/2006/main">
-  <p:cSld>
-    <p:spTree>
-      <p:nvGrpSpPr>
-        <p:cNvPr id="1" name="">
-          <a:extLst>
-            <a:ext uri="{FF2B5EF4-FFF2-40B4-BE49-F238E27FC236}">
-              <a16:creationId xmlns:a16="http://schemas.microsoft.com/office/drawing/2014/main" id="{4BAEDDAC-C820-D72C-D899-CD8371435150}"/>
-            </a:ext>
-          </a:extLst>
-        </p:cNvPr>
-        <p:cNvGrpSpPr/>
-        <p:nvPr/>
-      </p:nvGrpSpPr>
-      <p:grpSpPr>
-        <a:xfrm>
-          <a:off x="0" y="0"/>
-          <a:ext cx="0" cy="0"/>
-          <a:chOff x="0" y="0"/>
-          <a:chExt cx="0" cy="0"/>
-        </a:xfrm>
-      </p:grpSpPr>
-      <p:sp>
-        <p:nvSpPr>
-          <p:cNvPr id="2" name="Title 1">
-            <a:extLst>
-              <a:ext uri="{FF2B5EF4-FFF2-40B4-BE49-F238E27FC236}">
-                <a16:creationId xmlns:a16="http://schemas.microsoft.com/office/drawing/2014/main" id="{6AA6DC9D-BCE1-AF51-7145-06AB24EB1E96}"/>
-              </a:ext>
-            </a:extLst>
-          </p:cNvPr>
-          <p:cNvSpPr>
-            <a:spLocks noGrp="1"/>
-          </p:cNvSpPr>
-          <p:nvPr>
-            <p:ph type="title"/>
-          </p:nvPr>
-        </p:nvSpPr>
-        <p:spPr/>
-        <p:txBody>
-          <a:bodyPr/>
-          <a:lstStyle/>
-          <a:p>
-            <a:r>
-              <a:rPr lang="en-US" dirty="0"/>
-              <a:t>Moving Forward</a:t>
-            </a:r>
-          </a:p>
-        </p:txBody>
-      </p:sp>
-      <p:sp>
-        <p:nvSpPr>
-          <p:cNvPr id="3" name="Content Placeholder 2">
-            <a:extLst>
-              <a:ext uri="{FF2B5EF4-FFF2-40B4-BE49-F238E27FC236}">
-                <a16:creationId xmlns:a16="http://schemas.microsoft.com/office/drawing/2014/main" id="{A3B664B6-D28D-79A6-072D-6AB9567288D9}"/>
-              </a:ext>
-            </a:extLst>
-          </p:cNvPr>
-          <p:cNvSpPr>
-            <a:spLocks noGrp="1"/>
-          </p:cNvSpPr>
-          <p:nvPr>
-            <p:ph idx="1"/>
-          </p:nvPr>
-        </p:nvSpPr>
-        <p:spPr>
-          <a:xfrm>
-            <a:off x="838200" y="1825625"/>
-            <a:ext cx="10738104" cy="4351338"/>
-          </a:xfrm>
-        </p:spPr>
-        <p:txBody>
-          <a:bodyPr>
-            <a:normAutofit/>
-          </a:bodyPr>
-          <a:lstStyle/>
-          <a:p>
-            <a:r>
-              <a:rPr lang="en-US" dirty="0"/>
-              <a:t>Obviously needs more discussion!</a:t>
-            </a:r>
-          </a:p>
-          <a:p>
-            <a:r>
-              <a:rPr lang="en-US" dirty="0"/>
-              <a:t>Submit PR requests for InChI, JNA, OCL, and CDK</a:t>
-            </a:r>
-          </a:p>
-          <a:p>
-            <a:r>
-              <a:rPr lang="en-US" dirty="0"/>
-              <a:t>Proposing two new InChI repositories:</a:t>
-            </a:r>
-          </a:p>
-          <a:p>
-            <a:pPr lvl="1"/>
-            <a:r>
-              <a:rPr lang="en-US" dirty="0" err="1"/>
-              <a:t>Inchi</a:t>
-            </a:r>
-            <a:r>
-              <a:rPr lang="en-US" dirty="0"/>
-              <a:t>-API-JNA</a:t>
-            </a:r>
-          </a:p>
-          <a:p>
-            <a:pPr lvl="2"/>
-            <a:r>
-              <a:rPr lang="en-US" dirty="0"/>
-              <a:t>Focus on Java, with simple IXA methods only</a:t>
-            </a:r>
-          </a:p>
-          <a:p>
-            <a:pPr lvl="1"/>
-            <a:r>
-              <a:rPr lang="en-US" dirty="0" err="1"/>
-              <a:t>Inchi</a:t>
-            </a:r>
-            <a:r>
-              <a:rPr lang="en-US" dirty="0"/>
-              <a:t>-API-WASM</a:t>
-            </a:r>
-          </a:p>
-          <a:p>
-            <a:pPr lvl="2"/>
-            <a:r>
-              <a:rPr lang="en-US" dirty="0"/>
-              <a:t>Focus on JavaScript, using simple IXA methods only</a:t>
-            </a:r>
-          </a:p>
-          <a:p>
-            <a:pPr lvl="1"/>
-            <a:r>
-              <a:rPr lang="en-US" dirty="0"/>
-              <a:t>Coordinated development</a:t>
-            </a:r>
-          </a:p>
-          <a:p>
-            <a:r>
-              <a:rPr lang="en-US" dirty="0"/>
-              <a:t>None of this requires the use of </a:t>
-            </a:r>
-            <a:r>
-              <a:rPr lang="en-US" dirty="0" err="1"/>
-              <a:t>SwingJS</a:t>
-            </a:r>
-            <a:r>
-              <a:rPr lang="en-US" dirty="0"/>
-              <a:t>; we only use that because it also gives us access to </a:t>
-            </a:r>
-            <a:r>
-              <a:rPr lang="en-US" dirty="0" err="1"/>
-              <a:t>OpenChemLib</a:t>
-            </a:r>
-            <a:r>
-              <a:rPr lang="en-US" dirty="0"/>
-              <a:t> and the CDK in JavaScript.</a:t>
-            </a:r>
-          </a:p>
-          <a:p>
-            <a:pPr lvl="2"/>
-            <a:endParaRPr lang="en-US" dirty="0"/>
-          </a:p>
-          <a:p>
-            <a:pPr lvl="1"/>
-            <a:endParaRPr lang="en-US" dirty="0"/>
-          </a:p>
-        </p:txBody>
-      </p:sp>
-    </p:spTree>
-    <p:extLst>
-      <p:ext uri="{BB962C8B-B14F-4D97-AF65-F5344CB8AC3E}">
-        <p14:creationId xmlns:p14="http://schemas.microsoft.com/office/powerpoint/2010/main" val="3028090963"/>
       </p:ext>
     </p:extLst>
   </p:cSld>
@@ -6966,7 +7694,13 @@
                   <p:embed/>
                   <p:pic>
                     <p:nvPicPr>
-                      <p:cNvPr id="0" name=""/>
+                      <p:cNvPr id="4" name="Object 3">
+                        <a:extLst>
+                          <a:ext uri="{FF2B5EF4-FFF2-40B4-BE49-F238E27FC236}">
+                            <a16:creationId xmlns:a16="http://schemas.microsoft.com/office/drawing/2014/main" id="{55E4CD7D-47F3-2AAB-2C03-6776C2FFD32F}"/>
+                          </a:ext>
+                        </a:extLst>
+                      </p:cNvPr>
                       <p:cNvPicPr/>
                       <p:nvPr/>
                     </p:nvPicPr>
@@ -7005,6 +7739,731 @@
 </p:sld>
 </file>
 
+<file path=ppt/slides/slide20.xml><?xml version="1.0" encoding="utf-8"?>
+<p:sld xmlns:a="http://schemas.openxmlformats.org/drawingml/2006/main" xmlns:r="http://schemas.openxmlformats.org/officeDocument/2006/relationships" xmlns:p="http://schemas.openxmlformats.org/presentationml/2006/main">
+  <p:cSld>
+    <p:spTree>
+      <p:nvGrpSpPr>
+        <p:cNvPr id="1" name="">
+          <a:extLst>
+            <a:ext uri="{FF2B5EF4-FFF2-40B4-BE49-F238E27FC236}">
+              <a16:creationId xmlns:a16="http://schemas.microsoft.com/office/drawing/2014/main" id="{0B95FE9C-E17E-1F58-0CC0-46CBFC53C51A}"/>
+            </a:ext>
+          </a:extLst>
+        </p:cNvPr>
+        <p:cNvGrpSpPr/>
+        <p:nvPr/>
+      </p:nvGrpSpPr>
+      <p:grpSpPr>
+        <a:xfrm>
+          <a:off x="0" y="0"/>
+          <a:ext cx="0" cy="0"/>
+          <a:chOff x="0" y="0"/>
+          <a:chExt cx="0" cy="0"/>
+        </a:xfrm>
+      </p:grpSpPr>
+      <p:sp>
+        <p:nvSpPr>
+          <p:cNvPr id="2" name="Title 1">
+            <a:extLst>
+              <a:ext uri="{FF2B5EF4-FFF2-40B4-BE49-F238E27FC236}">
+                <a16:creationId xmlns:a16="http://schemas.microsoft.com/office/drawing/2014/main" id="{98FFC2CD-8012-6888-1F76-0EE953FE4A1F}"/>
+              </a:ext>
+            </a:extLst>
+          </p:cNvPr>
+          <p:cNvSpPr>
+            <a:spLocks noGrp="1"/>
+          </p:cNvSpPr>
+          <p:nvPr>
+            <p:ph type="title"/>
+          </p:nvPr>
+        </p:nvSpPr>
+        <p:spPr>
+          <a:xfrm>
+            <a:off x="838200" y="365125"/>
+            <a:ext cx="11186160" cy="1325563"/>
+          </a:xfrm>
+        </p:spPr>
+        <p:txBody>
+          <a:bodyPr/>
+          <a:lstStyle/>
+          <a:p>
+            <a:r>
+              <a:rPr lang="en-US" dirty="0"/>
+              <a:t>Coding examples (</a:t>
+            </a:r>
+            <a:r>
+              <a:rPr lang="en-US" dirty="0" err="1"/>
+              <a:t>SwingJS</a:t>
+            </a:r>
+            <a:r>
+              <a:rPr lang="en-US" dirty="0"/>
+              <a:t> CDK to OCL molecule)</a:t>
+            </a:r>
+          </a:p>
+        </p:txBody>
+      </p:sp>
+      <p:sp>
+        <p:nvSpPr>
+          <p:cNvPr id="3" name="Content Placeholder 2">
+            <a:extLst>
+              <a:ext uri="{FF2B5EF4-FFF2-40B4-BE49-F238E27FC236}">
+                <a16:creationId xmlns:a16="http://schemas.microsoft.com/office/drawing/2014/main" id="{36EA4D79-08CC-E560-6BF5-23C5457EF4A2}"/>
+              </a:ext>
+            </a:extLst>
+          </p:cNvPr>
+          <p:cNvSpPr>
+            <a:spLocks noGrp="1"/>
+          </p:cNvSpPr>
+          <p:nvPr>
+            <p:ph idx="1"/>
+          </p:nvPr>
+        </p:nvSpPr>
+        <p:spPr>
+          <a:xfrm>
+            <a:off x="621792" y="1825624"/>
+            <a:ext cx="11570208" cy="4794631"/>
+          </a:xfrm>
+        </p:spPr>
+        <p:txBody>
+          <a:bodyPr>
+            <a:noAutofit/>
+          </a:bodyPr>
+          <a:lstStyle/>
+          <a:p>
+            <a:pPr marL="0" indent="0">
+              <a:lnSpc>
+                <a:spcPct val="100000"/>
+              </a:lnSpc>
+              <a:spcBef>
+                <a:spcPts val="0"/>
+              </a:spcBef>
+              <a:buNone/>
+            </a:pPr>
+            <a:r>
+              <a:rPr lang="en-US" sz="2400" dirty="0"/>
+              <a:t>Java:</a:t>
+            </a:r>
+          </a:p>
+          <a:p>
+            <a:pPr marL="0" indent="0">
+              <a:lnSpc>
+                <a:spcPct val="100000"/>
+              </a:lnSpc>
+              <a:spcBef>
+                <a:spcPts val="0"/>
+              </a:spcBef>
+              <a:buNone/>
+            </a:pPr>
+            <a:endParaRPr lang="en-US" sz="1600" dirty="0">
+              <a:latin typeface="Consolas" panose="020B0609020204030204" pitchFamily="49" charset="0"/>
+            </a:endParaRPr>
+          </a:p>
+          <a:p>
+            <a:pPr marL="0" indent="0">
+              <a:lnSpc>
+                <a:spcPct val="100000"/>
+              </a:lnSpc>
+              <a:spcBef>
+                <a:spcPts val="0"/>
+              </a:spcBef>
+              <a:buNone/>
+            </a:pPr>
+            <a:r>
+              <a:rPr lang="en-US" sz="1600" dirty="0" err="1">
+                <a:latin typeface="Consolas" panose="020B0609020204030204" pitchFamily="49" charset="0"/>
+              </a:rPr>
+              <a:t>StereoMolecule</a:t>
+            </a:r>
+            <a:r>
+              <a:rPr lang="en-US" sz="1600" dirty="0">
+                <a:latin typeface="Consolas" panose="020B0609020204030204" pitchFamily="49" charset="0"/>
+              </a:rPr>
+              <a:t> </a:t>
+            </a:r>
+            <a:r>
+              <a:rPr lang="en-US" sz="1600" dirty="0" err="1">
+                <a:latin typeface="Consolas" panose="020B0609020204030204" pitchFamily="49" charset="0"/>
+              </a:rPr>
+              <a:t>cdkToOCLMolecule</a:t>
+            </a:r>
+            <a:r>
+              <a:rPr lang="en-US" sz="1600" dirty="0">
+                <a:latin typeface="Consolas" panose="020B0609020204030204" pitchFamily="49" charset="0"/>
+              </a:rPr>
+              <a:t> (</a:t>
+            </a:r>
+            <a:r>
+              <a:rPr lang="en-US" sz="1600" dirty="0" err="1">
+                <a:latin typeface="Consolas" panose="020B0609020204030204" pitchFamily="49" charset="0"/>
+              </a:rPr>
+              <a:t>IAtomContainer</a:t>
+            </a:r>
+            <a:r>
+              <a:rPr lang="en-US" sz="1600" dirty="0">
+                <a:latin typeface="Consolas" panose="020B0609020204030204" pitchFamily="49" charset="0"/>
+              </a:rPr>
+              <a:t> mol) {</a:t>
+            </a:r>
+          </a:p>
+          <a:p>
+            <a:pPr marL="0" indent="0">
+              <a:lnSpc>
+                <a:spcPct val="100000"/>
+              </a:lnSpc>
+              <a:spcBef>
+                <a:spcPts val="0"/>
+              </a:spcBef>
+              <a:buNone/>
+            </a:pPr>
+            <a:r>
+              <a:rPr lang="en-US" sz="1600" dirty="0">
+                <a:latin typeface="Consolas" panose="020B0609020204030204" pitchFamily="49" charset="0"/>
+              </a:rPr>
+              <a:t>   </a:t>
+            </a:r>
+            <a:r>
+              <a:rPr lang="en-US" sz="1600" dirty="0" err="1">
+                <a:latin typeface="Consolas" panose="020B0609020204030204" pitchFamily="49" charset="0"/>
+              </a:rPr>
+              <a:t>InchiInput</a:t>
+            </a:r>
+            <a:r>
+              <a:rPr lang="en-US" sz="1600" dirty="0">
+                <a:latin typeface="Consolas" panose="020B0609020204030204" pitchFamily="49" charset="0"/>
+              </a:rPr>
+              <a:t> input = </a:t>
+            </a:r>
+            <a:r>
+              <a:rPr lang="en-US" sz="1600" b="1" dirty="0" err="1">
+                <a:latin typeface="Consolas" panose="020B0609020204030204" pitchFamily="49" charset="0"/>
+              </a:rPr>
+              <a:t>CDK.getInchiInputFromCDKMolecule</a:t>
+            </a:r>
+            <a:r>
+              <a:rPr lang="en-US" sz="1600" b="1" dirty="0">
+                <a:latin typeface="Consolas" panose="020B0609020204030204" pitchFamily="49" charset="0"/>
+              </a:rPr>
+              <a:t>(mol)</a:t>
+            </a:r>
+            <a:r>
+              <a:rPr lang="en-US" sz="1600" dirty="0">
+                <a:latin typeface="Consolas" panose="020B0609020204030204" pitchFamily="49" charset="0"/>
+              </a:rPr>
+              <a:t>;</a:t>
+            </a:r>
+          </a:p>
+          <a:p>
+            <a:pPr marL="0" indent="0">
+              <a:lnSpc>
+                <a:spcPct val="100000"/>
+              </a:lnSpc>
+              <a:spcBef>
+                <a:spcPts val="0"/>
+              </a:spcBef>
+              <a:buNone/>
+            </a:pPr>
+            <a:r>
+              <a:rPr lang="en-US" sz="1600" dirty="0">
+                <a:latin typeface="Consolas" panose="020B0609020204030204" pitchFamily="49" charset="0"/>
+              </a:rPr>
+              <a:t>   return </a:t>
+            </a:r>
+            <a:r>
+              <a:rPr lang="en-US" sz="1600" b="1" dirty="0" err="1">
+                <a:solidFill>
+                  <a:srgbClr val="000000"/>
+                </a:solidFill>
+                <a:latin typeface="Consolas" panose="020B0609020204030204" pitchFamily="49" charset="0"/>
+              </a:rPr>
+              <a:t>OCL.getOCLMoleculeFromInchiInput</a:t>
+            </a:r>
+            <a:r>
+              <a:rPr lang="en-US" sz="1600" b="1" dirty="0">
+                <a:solidFill>
+                  <a:srgbClr val="000000"/>
+                </a:solidFill>
+                <a:latin typeface="Consolas" panose="020B0609020204030204" pitchFamily="49" charset="0"/>
+              </a:rPr>
+              <a:t>(input)</a:t>
+            </a:r>
+            <a:r>
+              <a:rPr lang="en-US" sz="1600" dirty="0">
+                <a:solidFill>
+                  <a:srgbClr val="000000"/>
+                </a:solidFill>
+                <a:latin typeface="Consolas" panose="020B0609020204030204" pitchFamily="49" charset="0"/>
+              </a:rPr>
+              <a:t>;</a:t>
+            </a:r>
+            <a:endParaRPr lang="en-US" sz="1600" dirty="0">
+              <a:latin typeface="Consolas" panose="020B0609020204030204" pitchFamily="49" charset="0"/>
+            </a:endParaRPr>
+          </a:p>
+          <a:p>
+            <a:pPr marL="0" indent="0">
+              <a:lnSpc>
+                <a:spcPct val="100000"/>
+              </a:lnSpc>
+              <a:spcBef>
+                <a:spcPts val="0"/>
+              </a:spcBef>
+              <a:buNone/>
+            </a:pPr>
+            <a:r>
+              <a:rPr lang="en-US" sz="1600" dirty="0">
+                <a:latin typeface="Consolas" panose="020B0609020204030204" pitchFamily="49" charset="0"/>
+              </a:rPr>
+              <a:t>}</a:t>
+            </a:r>
+          </a:p>
+          <a:p>
+            <a:pPr marL="0" indent="0">
+              <a:lnSpc>
+                <a:spcPct val="100000"/>
+              </a:lnSpc>
+              <a:spcBef>
+                <a:spcPts val="0"/>
+              </a:spcBef>
+              <a:buNone/>
+            </a:pPr>
+            <a:endParaRPr lang="en-US" sz="1600" dirty="0">
+              <a:latin typeface="Consolas" panose="020B0609020204030204" pitchFamily="49" charset="0"/>
+            </a:endParaRPr>
+          </a:p>
+          <a:p>
+            <a:pPr marL="0" indent="0">
+              <a:lnSpc>
+                <a:spcPct val="100000"/>
+              </a:lnSpc>
+              <a:spcBef>
+                <a:spcPts val="0"/>
+              </a:spcBef>
+              <a:buNone/>
+            </a:pPr>
+            <a:r>
+              <a:rPr lang="en-US" sz="2400" dirty="0"/>
+              <a:t>JavaScript (</a:t>
+            </a:r>
+            <a:r>
+              <a:rPr lang="en-US" sz="2400" dirty="0" err="1"/>
+              <a:t>SwingJS</a:t>
+            </a:r>
+            <a:r>
+              <a:rPr lang="en-US" sz="2400" dirty="0"/>
+              <a:t>):</a:t>
+            </a:r>
+          </a:p>
+          <a:p>
+            <a:pPr marL="0" indent="0">
+              <a:lnSpc>
+                <a:spcPct val="100000"/>
+              </a:lnSpc>
+              <a:spcBef>
+                <a:spcPts val="0"/>
+              </a:spcBef>
+              <a:buNone/>
+            </a:pPr>
+            <a:endParaRPr lang="en-US" sz="1600" dirty="0">
+              <a:latin typeface="Consolas" panose="020B0609020204030204" pitchFamily="49" charset="0"/>
+            </a:endParaRPr>
+          </a:p>
+          <a:p>
+            <a:pPr marL="0" indent="0">
+              <a:lnSpc>
+                <a:spcPct val="100000"/>
+              </a:lnSpc>
+              <a:spcBef>
+                <a:spcPts val="0"/>
+              </a:spcBef>
+              <a:buNone/>
+            </a:pPr>
+            <a:r>
+              <a:rPr lang="en-US" sz="1600" dirty="0" err="1">
+                <a:latin typeface="Consolas" panose="020B0609020204030204" pitchFamily="49" charset="0"/>
+              </a:rPr>
+              <a:t>cdkToOCLMolecule</a:t>
+            </a:r>
+            <a:r>
+              <a:rPr lang="en-US" sz="1600" dirty="0">
+                <a:latin typeface="Consolas" panose="020B0609020204030204" pitchFamily="49" charset="0"/>
+              </a:rPr>
+              <a:t> = function(mol) {</a:t>
+            </a:r>
+          </a:p>
+          <a:p>
+            <a:pPr marL="0" indent="0">
+              <a:lnSpc>
+                <a:spcPct val="100000"/>
+              </a:lnSpc>
+              <a:spcBef>
+                <a:spcPts val="0"/>
+              </a:spcBef>
+              <a:buNone/>
+            </a:pPr>
+            <a:r>
+              <a:rPr lang="en-US" sz="1600" dirty="0">
+                <a:latin typeface="Consolas" panose="020B0609020204030204" pitchFamily="49" charset="0"/>
+              </a:rPr>
+              <a:t>   var input = </a:t>
+            </a:r>
+            <a:r>
+              <a:rPr lang="en-US" sz="1600" b="1" dirty="0" err="1">
+                <a:latin typeface="Consolas" panose="020B0609020204030204" pitchFamily="49" charset="0"/>
+              </a:rPr>
+              <a:t>CDK.getInchiInputFromCDKMolecule</a:t>
+            </a:r>
+            <a:r>
+              <a:rPr lang="en-US" sz="1600" b="1" dirty="0">
+                <a:latin typeface="Consolas" panose="020B0609020204030204" pitchFamily="49" charset="0"/>
+              </a:rPr>
+              <a:t>(mol)</a:t>
+            </a:r>
+            <a:r>
+              <a:rPr lang="en-US" sz="1600" dirty="0">
+                <a:latin typeface="Consolas" panose="020B0609020204030204" pitchFamily="49" charset="0"/>
+              </a:rPr>
+              <a:t>;</a:t>
+            </a:r>
+          </a:p>
+          <a:p>
+            <a:pPr marL="0" indent="0">
+              <a:lnSpc>
+                <a:spcPct val="100000"/>
+              </a:lnSpc>
+              <a:spcBef>
+                <a:spcPts val="0"/>
+              </a:spcBef>
+              <a:buNone/>
+            </a:pPr>
+            <a:r>
+              <a:rPr lang="en-US" sz="1600" dirty="0">
+                <a:latin typeface="Consolas" panose="020B0609020204030204" pitchFamily="49" charset="0"/>
+              </a:rPr>
+              <a:t>   return </a:t>
+            </a:r>
+            <a:r>
+              <a:rPr lang="en-US" sz="1600" b="1" dirty="0" err="1">
+                <a:solidFill>
+                  <a:srgbClr val="000000"/>
+                </a:solidFill>
+                <a:latin typeface="Consolas" panose="020B0609020204030204" pitchFamily="49" charset="0"/>
+              </a:rPr>
+              <a:t>OCL.getOCLMoleculeFromInchiInput</a:t>
+            </a:r>
+            <a:r>
+              <a:rPr lang="en-US" sz="1600" b="1" dirty="0">
+                <a:solidFill>
+                  <a:srgbClr val="000000"/>
+                </a:solidFill>
+                <a:latin typeface="Consolas" panose="020B0609020204030204" pitchFamily="49" charset="0"/>
+              </a:rPr>
+              <a:t>(input)</a:t>
+            </a:r>
+            <a:r>
+              <a:rPr lang="en-US" sz="1600" dirty="0">
+                <a:solidFill>
+                  <a:srgbClr val="000000"/>
+                </a:solidFill>
+                <a:latin typeface="Consolas" panose="020B0609020204030204" pitchFamily="49" charset="0"/>
+              </a:rPr>
+              <a:t>;</a:t>
+            </a:r>
+            <a:endParaRPr lang="en-US" sz="1600" dirty="0">
+              <a:latin typeface="Consolas" panose="020B0609020204030204" pitchFamily="49" charset="0"/>
+            </a:endParaRPr>
+          </a:p>
+          <a:p>
+            <a:pPr marL="0" indent="0">
+              <a:lnSpc>
+                <a:spcPct val="100000"/>
+              </a:lnSpc>
+              <a:spcBef>
+                <a:spcPts val="0"/>
+              </a:spcBef>
+              <a:buNone/>
+            </a:pPr>
+            <a:r>
+              <a:rPr lang="en-US" sz="1600" dirty="0">
+                <a:latin typeface="Consolas" panose="020B0609020204030204" pitchFamily="49" charset="0"/>
+              </a:rPr>
+              <a:t>}</a:t>
+            </a:r>
+          </a:p>
+          <a:p>
+            <a:pPr marL="0" indent="0">
+              <a:lnSpc>
+                <a:spcPct val="100000"/>
+              </a:lnSpc>
+              <a:spcBef>
+                <a:spcPts val="0"/>
+              </a:spcBef>
+              <a:buNone/>
+            </a:pPr>
+            <a:endParaRPr lang="en-US" sz="1600" dirty="0">
+              <a:latin typeface="Consolas" panose="020B0609020204030204" pitchFamily="49" charset="0"/>
+            </a:endParaRPr>
+          </a:p>
+          <a:p>
+            <a:pPr marL="0" indent="0">
+              <a:lnSpc>
+                <a:spcPct val="100000"/>
+              </a:lnSpc>
+              <a:spcBef>
+                <a:spcPts val="0"/>
+              </a:spcBef>
+              <a:buNone/>
+            </a:pPr>
+            <a:endParaRPr lang="en-US" sz="1600" dirty="0">
+              <a:latin typeface="Consolas" panose="020B0609020204030204" pitchFamily="49" charset="0"/>
+            </a:endParaRPr>
+          </a:p>
+        </p:txBody>
+      </p:sp>
+      <p:sp>
+        <p:nvSpPr>
+          <p:cNvPr id="4" name="TextBox 3">
+            <a:extLst>
+              <a:ext uri="{FF2B5EF4-FFF2-40B4-BE49-F238E27FC236}">
+                <a16:creationId xmlns:a16="http://schemas.microsoft.com/office/drawing/2014/main" id="{03F6E31D-AFBF-D51F-475C-D23FD33004EB}"/>
+              </a:ext>
+            </a:extLst>
+          </p:cNvPr>
+          <p:cNvSpPr txBox="1"/>
+          <p:nvPr/>
+        </p:nvSpPr>
+        <p:spPr>
+          <a:xfrm>
+            <a:off x="6885432" y="4681728"/>
+            <a:ext cx="4325112" cy="2031325"/>
+          </a:xfrm>
+          <a:prstGeom prst="rect">
+            <a:avLst/>
+          </a:prstGeom>
+          <a:noFill/>
+        </p:spPr>
+        <p:txBody>
+          <a:bodyPr wrap="square" rtlCol="0">
+            <a:spAutoFit/>
+          </a:bodyPr>
+          <a:lstStyle/>
+          <a:p>
+            <a:r>
+              <a:rPr lang="en-US" dirty="0">
+                <a:solidFill>
+                  <a:srgbClr val="FF0000"/>
+                </a:solidFill>
+              </a:rPr>
+              <a:t>These two versions are essentially identical. In both Java and JavaScript. Converting simple structures from CDK to and from OCL is just a matter of passing them through </a:t>
+            </a:r>
+            <a:r>
+              <a:rPr lang="en-US" dirty="0" err="1">
+                <a:solidFill>
+                  <a:srgbClr val="FF0000"/>
+                </a:solidFill>
+              </a:rPr>
+              <a:t>InchiInput</a:t>
+            </a:r>
+            <a:r>
+              <a:rPr lang="en-US" dirty="0">
+                <a:solidFill>
+                  <a:srgbClr val="FF0000"/>
+                </a:solidFill>
+              </a:rPr>
+              <a:t>. One need not actually create the InChI string. No string parsing is required, and no stereochemistry is lost.</a:t>
+            </a:r>
+          </a:p>
+        </p:txBody>
+      </p:sp>
+    </p:spTree>
+    <p:extLst>
+      <p:ext uri="{BB962C8B-B14F-4D97-AF65-F5344CB8AC3E}">
+        <p14:creationId xmlns:p14="http://schemas.microsoft.com/office/powerpoint/2010/main" val="2635264396"/>
+      </p:ext>
+    </p:extLst>
+  </p:cSld>
+  <p:clrMapOvr>
+    <a:masterClrMapping/>
+  </p:clrMapOvr>
+</p:sld>
+</file>
+
+<file path=ppt/slides/slide21.xml><?xml version="1.0" encoding="utf-8"?>
+<p:sld xmlns:a="http://schemas.openxmlformats.org/drawingml/2006/main" xmlns:r="http://schemas.openxmlformats.org/officeDocument/2006/relationships" xmlns:p="http://schemas.openxmlformats.org/presentationml/2006/main">
+  <p:cSld>
+    <p:spTree>
+      <p:nvGrpSpPr>
+        <p:cNvPr id="1" name="">
+          <a:extLst>
+            <a:ext uri="{FF2B5EF4-FFF2-40B4-BE49-F238E27FC236}">
+              <a16:creationId xmlns:a16="http://schemas.microsoft.com/office/drawing/2014/main" id="{4BAEDDAC-C820-D72C-D899-CD8371435150}"/>
+            </a:ext>
+          </a:extLst>
+        </p:cNvPr>
+        <p:cNvGrpSpPr/>
+        <p:nvPr/>
+      </p:nvGrpSpPr>
+      <p:grpSpPr>
+        <a:xfrm>
+          <a:off x="0" y="0"/>
+          <a:ext cx="0" cy="0"/>
+          <a:chOff x="0" y="0"/>
+          <a:chExt cx="0" cy="0"/>
+        </a:xfrm>
+      </p:grpSpPr>
+      <p:sp>
+        <p:nvSpPr>
+          <p:cNvPr id="2" name="Title 1">
+            <a:extLst>
+              <a:ext uri="{FF2B5EF4-FFF2-40B4-BE49-F238E27FC236}">
+                <a16:creationId xmlns:a16="http://schemas.microsoft.com/office/drawing/2014/main" id="{6AA6DC9D-BCE1-AF51-7145-06AB24EB1E96}"/>
+              </a:ext>
+            </a:extLst>
+          </p:cNvPr>
+          <p:cNvSpPr>
+            <a:spLocks noGrp="1"/>
+          </p:cNvSpPr>
+          <p:nvPr>
+            <p:ph type="title"/>
+          </p:nvPr>
+        </p:nvSpPr>
+        <p:spPr/>
+        <p:txBody>
+          <a:bodyPr/>
+          <a:lstStyle/>
+          <a:p>
+            <a:r>
+              <a:rPr lang="en-US" dirty="0"/>
+              <a:t>Moving Forward</a:t>
+            </a:r>
+          </a:p>
+        </p:txBody>
+      </p:sp>
+      <p:sp>
+        <p:nvSpPr>
+          <p:cNvPr id="3" name="Content Placeholder 2">
+            <a:extLst>
+              <a:ext uri="{FF2B5EF4-FFF2-40B4-BE49-F238E27FC236}">
+                <a16:creationId xmlns:a16="http://schemas.microsoft.com/office/drawing/2014/main" id="{A3B664B6-D28D-79A6-072D-6AB9567288D9}"/>
+              </a:ext>
+            </a:extLst>
+          </p:cNvPr>
+          <p:cNvSpPr>
+            <a:spLocks noGrp="1"/>
+          </p:cNvSpPr>
+          <p:nvPr>
+            <p:ph idx="1"/>
+          </p:nvPr>
+        </p:nvSpPr>
+        <p:spPr>
+          <a:xfrm>
+            <a:off x="838200" y="1825625"/>
+            <a:ext cx="10738104" cy="4351338"/>
+          </a:xfrm>
+        </p:spPr>
+        <p:txBody>
+          <a:bodyPr>
+            <a:normAutofit/>
+          </a:bodyPr>
+          <a:lstStyle/>
+          <a:p>
+            <a:r>
+              <a:rPr lang="en-US" dirty="0"/>
+              <a:t>Obviously needs more discussion!</a:t>
+            </a:r>
+          </a:p>
+          <a:p>
+            <a:r>
+              <a:rPr lang="en-US" dirty="0"/>
+              <a:t>Submit PR requests for InChI, JNA, OCL, and CDK</a:t>
+            </a:r>
+          </a:p>
+          <a:p>
+            <a:r>
+              <a:rPr lang="en-US" dirty="0"/>
+              <a:t>Proposing two new InChI repositories:</a:t>
+            </a:r>
+          </a:p>
+          <a:p>
+            <a:pPr lvl="1"/>
+            <a:r>
+              <a:rPr lang="en-US" dirty="0"/>
+              <a:t>INCHI-API-JNA</a:t>
+            </a:r>
+          </a:p>
+          <a:p>
+            <a:pPr lvl="2"/>
+            <a:r>
+              <a:rPr lang="en-US" dirty="0"/>
+              <a:t>Focus on Java, with simple IXA methods only</a:t>
+            </a:r>
+          </a:p>
+          <a:p>
+            <a:pPr lvl="1"/>
+            <a:r>
+              <a:rPr lang="en-US" dirty="0"/>
+              <a:t>INCHI-API-WASM</a:t>
+            </a:r>
+          </a:p>
+          <a:p>
+            <a:pPr lvl="2"/>
+            <a:r>
+              <a:rPr lang="en-US" dirty="0"/>
+              <a:t>Focus on JavaScript, using simple IXA methods only</a:t>
+            </a:r>
+          </a:p>
+          <a:p>
+            <a:pPr lvl="1"/>
+            <a:r>
+              <a:rPr lang="en-US" dirty="0"/>
+              <a:t>Coordinated development</a:t>
+            </a:r>
+          </a:p>
+          <a:p>
+            <a:r>
+              <a:rPr lang="en-US" dirty="0"/>
+              <a:t>None of this requires the use of </a:t>
+            </a:r>
+            <a:r>
+              <a:rPr lang="en-US" dirty="0" err="1"/>
+              <a:t>SwingJS</a:t>
+            </a:r>
+            <a:r>
+              <a:rPr lang="en-US" dirty="0"/>
+              <a:t>; we only use that because it also gives us access to </a:t>
+            </a:r>
+            <a:r>
+              <a:rPr lang="en-US" dirty="0" err="1"/>
+              <a:t>OpenChemLib</a:t>
+            </a:r>
+            <a:r>
+              <a:rPr lang="en-US" dirty="0"/>
+              <a:t> and the CDK in JavaScript.</a:t>
+            </a:r>
+          </a:p>
+          <a:p>
+            <a:pPr lvl="2"/>
+            <a:endParaRPr lang="en-US" dirty="0"/>
+          </a:p>
+          <a:p>
+            <a:pPr lvl="1"/>
+            <a:endParaRPr lang="en-US" dirty="0"/>
+          </a:p>
+        </p:txBody>
+      </p:sp>
+    </p:spTree>
+    <p:extLst>
+      <p:ext uri="{BB962C8B-B14F-4D97-AF65-F5344CB8AC3E}">
+        <p14:creationId xmlns:p14="http://schemas.microsoft.com/office/powerpoint/2010/main" val="3028090963"/>
+      </p:ext>
+    </p:extLst>
+  </p:cSld>
+  <p:clrMapOvr>
+    <a:masterClrMapping/>
+  </p:clrMapOvr>
+</p:sld>
+</file>
+
 <file path=ppt/slides/slide3.xml><?xml version="1.0" encoding="utf-8"?>
 <p:sld xmlns:a="http://schemas.openxmlformats.org/drawingml/2006/main" xmlns:r="http://schemas.openxmlformats.org/officeDocument/2006/relationships" xmlns:p="http://schemas.openxmlformats.org/presentationml/2006/main">
   <p:cSld>
@@ -7132,7 +8591,7 @@
           <p:nvPr>
             <p:extLst>
               <p:ext uri="{D42A27DB-BD31-4B8C-83A1-F6EECF244321}">
-                <p14:modId xmlns:p14="http://schemas.microsoft.com/office/powerpoint/2010/main" val="1397798278"/>
+                <p14:modId xmlns:p14="http://schemas.microsoft.com/office/powerpoint/2010/main" val="1579059015"/>
               </p:ext>
             </p:extLst>
           </p:nvPr>
@@ -7157,7 +8616,7 @@
                       <p:cNvPr id="4" name="Object 3">
                         <a:extLst>
                           <a:ext uri="{FF2B5EF4-FFF2-40B4-BE49-F238E27FC236}">
-                            <a16:creationId xmlns:a16="http://schemas.microsoft.com/office/drawing/2014/main" id="{55E4CD7D-47F3-2AAB-2C03-6776C2FFD32F}"/>
+                            <a16:creationId xmlns:a16="http://schemas.microsoft.com/office/drawing/2014/main" id="{B2EF7D2E-5A82-2D0F-5EF6-B0EAB674CC76}"/>
                           </a:ext>
                         </a:extLst>
                       </p:cNvPr>
@@ -7306,7 +8765,7 @@
             </a:r>
             <a:r>
               <a:rPr lang="en-US" dirty="0" err="1"/>
-              <a:t>IXA_Builder_GetInchiVersion</a:t>
+              <a:t>IXA_Builder_GetInChIVersion</a:t>
             </a:r>
             <a:r>
               <a:rPr lang="en-US" dirty="0"/>
@@ -7335,7 +8794,281 @@
           <p:cNvGraphicFramePr>
             <a:graphicFrameLocks noChangeAspect="1"/>
           </p:cNvGraphicFramePr>
+          <p:nvPr>
+            <p:extLst>
+              <p:ext uri="{D42A27DB-BD31-4B8C-83A1-F6EECF244321}">
+                <p14:modId xmlns:p14="http://schemas.microsoft.com/office/powerpoint/2010/main" val="2114926317"/>
+              </p:ext>
+            </p:extLst>
+          </p:nvPr>
+        </p:nvGraphicFramePr>
+        <p:xfrm>
+          <a:off x="4092893" y="1796669"/>
+          <a:ext cx="8494712" cy="5059363"/>
+        </p:xfrm>
+        <a:graphic>
+          <a:graphicData uri="http://schemas.openxmlformats.org/presentationml/2006/ole">
+            <mc:AlternateContent xmlns:mc="http://schemas.openxmlformats.org/markup-compatibility/2006">
+              <mc:Choice xmlns:v="urn:schemas-microsoft-com:vml" Requires="v">
+                <p:oleObj name="CS ChemDraw Drawing" r:id="rId2" imgW="6763330" imgH="4032115" progId="ChemDraw.Document.6.0">
+                  <p:embed/>
+                </p:oleObj>
+              </mc:Choice>
+              <mc:Fallback>
+                <p:oleObj name="CS ChemDraw Drawing" r:id="rId2" imgW="6763330" imgH="4032115" progId="ChemDraw.Document.6.0">
+                  <p:embed/>
+                  <p:pic>
+                    <p:nvPicPr>
+                      <p:cNvPr id="4" name="Object 3">
+                        <a:extLst>
+                          <a:ext uri="{FF2B5EF4-FFF2-40B4-BE49-F238E27FC236}">
+                            <a16:creationId xmlns:a16="http://schemas.microsoft.com/office/drawing/2014/main" id="{42DF1B2F-9D15-BFEE-45CD-DA9A72EE9642}"/>
+                          </a:ext>
+                        </a:extLst>
+                      </p:cNvPr>
+                      <p:cNvPicPr/>
+                      <p:nvPr/>
+                    </p:nvPicPr>
+                    <p:blipFill>
+                      <a:blip r:embed="rId3"/>
+                      <a:stretch>
+                        <a:fillRect/>
+                      </a:stretch>
+                    </p:blipFill>
+                    <p:spPr>
+                      <a:xfrm>
+                        <a:off x="4092893" y="1796669"/>
+                        <a:ext cx="8494712" cy="5059363"/>
+                      </a:xfrm>
+                      <a:prstGeom prst="rect">
+                        <a:avLst/>
+                      </a:prstGeom>
+                    </p:spPr>
+                  </p:pic>
+                </p:oleObj>
+              </mc:Fallback>
+            </mc:AlternateContent>
+          </a:graphicData>
+        </a:graphic>
+      </p:graphicFrame>
+      <p:sp>
+        <p:nvSpPr>
+          <p:cNvPr id="5" name="Rectangle 4">
+            <a:extLst>
+              <a:ext uri="{FF2B5EF4-FFF2-40B4-BE49-F238E27FC236}">
+                <a16:creationId xmlns:a16="http://schemas.microsoft.com/office/drawing/2014/main" id="{D2BC884F-38C6-781F-8EFE-2A995FD84CEE}"/>
+              </a:ext>
+            </a:extLst>
+          </p:cNvPr>
+          <p:cNvSpPr/>
           <p:nvPr/>
+        </p:nvSpPr>
+        <p:spPr>
+          <a:xfrm>
+            <a:off x="5952744" y="2505456"/>
+            <a:ext cx="4251960" cy="923544"/>
+          </a:xfrm>
+          <a:prstGeom prst="rect">
+            <a:avLst/>
+          </a:prstGeom>
+          <a:noFill/>
+          <a:ln>
+            <a:solidFill>
+              <a:srgbClr val="FF0000"/>
+            </a:solidFill>
+          </a:ln>
+        </p:spPr>
+        <p:style>
+          <a:lnRef idx="2">
+            <a:schemeClr val="accent1">
+              <a:shade val="15000"/>
+            </a:schemeClr>
+          </a:lnRef>
+          <a:fillRef idx="1">
+            <a:schemeClr val="accent1"/>
+          </a:fillRef>
+          <a:effectRef idx="0">
+            <a:schemeClr val="accent1"/>
+          </a:effectRef>
+          <a:fontRef idx="minor">
+            <a:schemeClr val="lt1"/>
+          </a:fontRef>
+        </p:style>
+        <p:txBody>
+          <a:bodyPr rtlCol="0" anchor="ctr"/>
+          <a:lstStyle/>
+          <a:p>
+            <a:pPr algn="ctr"/>
+            <a:endParaRPr lang="en-US"/>
+          </a:p>
+        </p:txBody>
+      </p:sp>
+    </p:spTree>
+    <p:extLst>
+      <p:ext uri="{BB962C8B-B14F-4D97-AF65-F5344CB8AC3E}">
+        <p14:creationId xmlns:p14="http://schemas.microsoft.com/office/powerpoint/2010/main" val="300498582"/>
+      </p:ext>
+    </p:extLst>
+  </p:cSld>
+  <p:clrMapOvr>
+    <a:masterClrMapping/>
+  </p:clrMapOvr>
+</p:sld>
+</file>
+
+<file path=ppt/slides/slide5.xml><?xml version="1.0" encoding="utf-8"?>
+<p:sld xmlns:a="http://schemas.openxmlformats.org/drawingml/2006/main" xmlns:r="http://schemas.openxmlformats.org/officeDocument/2006/relationships" xmlns:p="http://schemas.openxmlformats.org/presentationml/2006/main">
+  <p:cSld>
+    <p:spTree>
+      <p:nvGrpSpPr>
+        <p:cNvPr id="1" name="">
+          <a:extLst>
+            <a:ext uri="{FF2B5EF4-FFF2-40B4-BE49-F238E27FC236}">
+              <a16:creationId xmlns:a16="http://schemas.microsoft.com/office/drawing/2014/main" id="{95DAD03E-EAFE-8A92-E35A-FF7FD38028DD}"/>
+            </a:ext>
+          </a:extLst>
+        </p:cNvPr>
+        <p:cNvGrpSpPr/>
+        <p:nvPr/>
+      </p:nvGrpSpPr>
+      <p:grpSpPr>
+        <a:xfrm>
+          <a:off x="0" y="0"/>
+          <a:ext cx="0" cy="0"/>
+          <a:chOff x="0" y="0"/>
+          <a:chExt cx="0" cy="0"/>
+        </a:xfrm>
+      </p:grpSpPr>
+      <p:sp>
+        <p:nvSpPr>
+          <p:cNvPr id="2" name="Title 1">
+            <a:extLst>
+              <a:ext uri="{FF2B5EF4-FFF2-40B4-BE49-F238E27FC236}">
+                <a16:creationId xmlns:a16="http://schemas.microsoft.com/office/drawing/2014/main" id="{C3CD69E7-2E29-534D-FB36-EE892C88D73D}"/>
+              </a:ext>
+            </a:extLst>
+          </p:cNvPr>
+          <p:cNvSpPr>
+            <a:spLocks noGrp="1"/>
+          </p:cNvSpPr>
+          <p:nvPr>
+            <p:ph type="title"/>
+          </p:nvPr>
+        </p:nvSpPr>
+        <p:spPr/>
+        <p:txBody>
+          <a:bodyPr/>
+          <a:lstStyle/>
+          <a:p>
+            <a:r>
+              <a:rPr lang="en-US" dirty="0"/>
+              <a:t>Preliminary work</a:t>
+            </a:r>
+          </a:p>
+        </p:txBody>
+      </p:sp>
+      <p:sp>
+        <p:nvSpPr>
+          <p:cNvPr id="3" name="Content Placeholder 2">
+            <a:extLst>
+              <a:ext uri="{FF2B5EF4-FFF2-40B4-BE49-F238E27FC236}">
+                <a16:creationId xmlns:a16="http://schemas.microsoft.com/office/drawing/2014/main" id="{AC3EF5F7-ED9F-EB71-5942-AF1ACB0C2380}"/>
+              </a:ext>
+            </a:extLst>
+          </p:cNvPr>
+          <p:cNvSpPr>
+            <a:spLocks noGrp="1"/>
+          </p:cNvSpPr>
+          <p:nvPr>
+            <p:ph idx="1"/>
+          </p:nvPr>
+        </p:nvSpPr>
+        <p:spPr>
+          <a:xfrm>
+            <a:off x="838200" y="1825624"/>
+            <a:ext cx="5087471" cy="5399929"/>
+          </a:xfrm>
+        </p:spPr>
+        <p:txBody>
+          <a:bodyPr>
+            <a:normAutofit/>
+          </a:bodyPr>
+          <a:lstStyle/>
+          <a:p>
+            <a:r>
+              <a:rPr lang="en-US" dirty="0"/>
+              <a:t>WASM </a:t>
+            </a:r>
+            <a:r>
+              <a:rPr lang="en-US" dirty="0" err="1"/>
+              <a:t>makefile</a:t>
+            </a:r>
+            <a:r>
+              <a:rPr lang="en-US" dirty="0"/>
+              <a:t> adds IXA methods and renames output to match JNA native registration.</a:t>
+            </a:r>
+          </a:p>
+          <a:p>
+            <a:r>
+              <a:rPr lang="en-US" dirty="0"/>
+              <a:t>Java2script Eclipse </a:t>
+            </a:r>
+            <a:r>
+              <a:rPr lang="en-US" dirty="0" err="1"/>
+              <a:t>transpiler</a:t>
+            </a:r>
+            <a:r>
+              <a:rPr lang="en-US" dirty="0"/>
+              <a:t> upgraded to implement “native” methods.</a:t>
+            </a:r>
+          </a:p>
+          <a:p>
+            <a:r>
+              <a:rPr lang="en-US" dirty="0" err="1"/>
+              <a:t>SwingJS</a:t>
+            </a:r>
+            <a:r>
+              <a:rPr lang="en-US" dirty="0"/>
+              <a:t> runtime adds </a:t>
+            </a:r>
+            <a:r>
+              <a:rPr lang="en-US" dirty="0" err="1"/>
+              <a:t>Clazz</a:t>
+            </a:r>
+            <a:r>
+              <a:rPr lang="en-US" dirty="0"/>
+              <a:t>._</a:t>
+            </a:r>
+            <a:r>
+              <a:rPr lang="en-US" dirty="0" err="1"/>
+              <a:t>loadWasm</a:t>
+            </a:r>
+            <a:r>
+              <a:rPr lang="en-US" dirty="0"/>
+              <a:t>, linking Java native methods with WASM exports when native methods are registered in JavaScript.</a:t>
+            </a:r>
+          </a:p>
+        </p:txBody>
+      </p:sp>
+      <p:graphicFrame>
+        <p:nvGraphicFramePr>
+          <p:cNvPr id="4" name="Object 3">
+            <a:extLst>
+              <a:ext uri="{FF2B5EF4-FFF2-40B4-BE49-F238E27FC236}">
+                <a16:creationId xmlns:a16="http://schemas.microsoft.com/office/drawing/2014/main" id="{103CFB8B-F4CD-0AFE-6E10-150CA6E74D37}"/>
+              </a:ext>
+            </a:extLst>
+          </p:cNvPr>
+          <p:cNvGraphicFramePr>
+            <a:graphicFrameLocks noChangeAspect="1"/>
+          </p:cNvGraphicFramePr>
+          <p:nvPr>
+            <p:extLst>
+              <p:ext uri="{D42A27DB-BD31-4B8C-83A1-F6EECF244321}">
+                <p14:modId xmlns:p14="http://schemas.microsoft.com/office/powerpoint/2010/main" val="737115125"/>
+              </p:ext>
+            </p:extLst>
+          </p:nvPr>
         </p:nvGraphicFramePr>
         <p:xfrm>
           <a:off x="4092893" y="1796669"/>
@@ -7391,274 +9124,6 @@
           <p:cNvPr id="5" name="Rectangle 4">
             <a:extLst>
               <a:ext uri="{FF2B5EF4-FFF2-40B4-BE49-F238E27FC236}">
-                <a16:creationId xmlns:a16="http://schemas.microsoft.com/office/drawing/2014/main" id="{D2BC884F-38C6-781F-8EFE-2A995FD84CEE}"/>
-              </a:ext>
-            </a:extLst>
-          </p:cNvPr>
-          <p:cNvSpPr/>
-          <p:nvPr/>
-        </p:nvSpPr>
-        <p:spPr>
-          <a:xfrm>
-            <a:off x="5952744" y="2505456"/>
-            <a:ext cx="4251960" cy="923544"/>
-          </a:xfrm>
-          <a:prstGeom prst="rect">
-            <a:avLst/>
-          </a:prstGeom>
-          <a:noFill/>
-          <a:ln>
-            <a:solidFill>
-              <a:srgbClr val="FF0000"/>
-            </a:solidFill>
-          </a:ln>
-        </p:spPr>
-        <p:style>
-          <a:lnRef idx="2">
-            <a:schemeClr val="accent1">
-              <a:shade val="15000"/>
-            </a:schemeClr>
-          </a:lnRef>
-          <a:fillRef idx="1">
-            <a:schemeClr val="accent1"/>
-          </a:fillRef>
-          <a:effectRef idx="0">
-            <a:schemeClr val="accent1"/>
-          </a:effectRef>
-          <a:fontRef idx="minor">
-            <a:schemeClr val="lt1"/>
-          </a:fontRef>
-        </p:style>
-        <p:txBody>
-          <a:bodyPr rtlCol="0" anchor="ctr"/>
-          <a:lstStyle/>
-          <a:p>
-            <a:pPr algn="ctr"/>
-            <a:endParaRPr lang="en-US"/>
-          </a:p>
-        </p:txBody>
-      </p:sp>
-    </p:spTree>
-    <p:extLst>
-      <p:ext uri="{BB962C8B-B14F-4D97-AF65-F5344CB8AC3E}">
-        <p14:creationId xmlns:p14="http://schemas.microsoft.com/office/powerpoint/2010/main" val="300498582"/>
-      </p:ext>
-    </p:extLst>
-  </p:cSld>
-  <p:clrMapOvr>
-    <a:masterClrMapping/>
-  </p:clrMapOvr>
-</p:sld>
-</file>
-
-<file path=ppt/slides/slide5.xml><?xml version="1.0" encoding="utf-8"?>
-<p:sld xmlns:a="http://schemas.openxmlformats.org/drawingml/2006/main" xmlns:r="http://schemas.openxmlformats.org/officeDocument/2006/relationships" xmlns:p="http://schemas.openxmlformats.org/presentationml/2006/main">
-  <p:cSld>
-    <p:spTree>
-      <p:nvGrpSpPr>
-        <p:cNvPr id="1" name="">
-          <a:extLst>
-            <a:ext uri="{FF2B5EF4-FFF2-40B4-BE49-F238E27FC236}">
-              <a16:creationId xmlns:a16="http://schemas.microsoft.com/office/drawing/2014/main" id="{95DAD03E-EAFE-8A92-E35A-FF7FD38028DD}"/>
-            </a:ext>
-          </a:extLst>
-        </p:cNvPr>
-        <p:cNvGrpSpPr/>
-        <p:nvPr/>
-      </p:nvGrpSpPr>
-      <p:grpSpPr>
-        <a:xfrm>
-          <a:off x="0" y="0"/>
-          <a:ext cx="0" cy="0"/>
-          <a:chOff x="0" y="0"/>
-          <a:chExt cx="0" cy="0"/>
-        </a:xfrm>
-      </p:grpSpPr>
-      <p:sp>
-        <p:nvSpPr>
-          <p:cNvPr id="2" name="Title 1">
-            <a:extLst>
-              <a:ext uri="{FF2B5EF4-FFF2-40B4-BE49-F238E27FC236}">
-                <a16:creationId xmlns:a16="http://schemas.microsoft.com/office/drawing/2014/main" id="{C3CD69E7-2E29-534D-FB36-EE892C88D73D}"/>
-              </a:ext>
-            </a:extLst>
-          </p:cNvPr>
-          <p:cNvSpPr>
-            <a:spLocks noGrp="1"/>
-          </p:cNvSpPr>
-          <p:nvPr>
-            <p:ph type="title"/>
-          </p:nvPr>
-        </p:nvSpPr>
-        <p:spPr/>
-        <p:txBody>
-          <a:bodyPr/>
-          <a:lstStyle/>
-          <a:p>
-            <a:r>
-              <a:rPr lang="en-US" dirty="0"/>
-              <a:t>Preliminary work</a:t>
-            </a:r>
-          </a:p>
-        </p:txBody>
-      </p:sp>
-      <p:sp>
-        <p:nvSpPr>
-          <p:cNvPr id="3" name="Content Placeholder 2">
-            <a:extLst>
-              <a:ext uri="{FF2B5EF4-FFF2-40B4-BE49-F238E27FC236}">
-                <a16:creationId xmlns:a16="http://schemas.microsoft.com/office/drawing/2014/main" id="{AC3EF5F7-ED9F-EB71-5942-AF1ACB0C2380}"/>
-              </a:ext>
-            </a:extLst>
-          </p:cNvPr>
-          <p:cNvSpPr>
-            <a:spLocks noGrp="1"/>
-          </p:cNvSpPr>
-          <p:nvPr>
-            <p:ph idx="1"/>
-          </p:nvPr>
-        </p:nvSpPr>
-        <p:spPr>
-          <a:xfrm>
-            <a:off x="838200" y="1825624"/>
-            <a:ext cx="5114544" cy="4858639"/>
-          </a:xfrm>
-        </p:spPr>
-        <p:txBody>
-          <a:bodyPr>
-            <a:normAutofit/>
-          </a:bodyPr>
-          <a:lstStyle/>
-          <a:p>
-            <a:r>
-              <a:rPr lang="en-US" dirty="0"/>
-              <a:t>WASM </a:t>
-            </a:r>
-            <a:r>
-              <a:rPr lang="en-US" dirty="0" err="1"/>
-              <a:t>makefile</a:t>
-            </a:r>
-            <a:r>
-              <a:rPr lang="en-US" dirty="0"/>
-              <a:t> adds IXA methods and renames output to match JNA native registration.</a:t>
-            </a:r>
-          </a:p>
-          <a:p>
-            <a:r>
-              <a:rPr lang="en-US" dirty="0"/>
-              <a:t>Java2script Eclipse </a:t>
-            </a:r>
-            <a:r>
-              <a:rPr lang="en-US" dirty="0" err="1"/>
-              <a:t>transpiler</a:t>
-            </a:r>
-            <a:r>
-              <a:rPr lang="en-US" dirty="0"/>
-              <a:t> upgraded to implement “native” methods.</a:t>
-            </a:r>
-          </a:p>
-          <a:p>
-            <a:r>
-              <a:rPr lang="en-US" dirty="0" err="1"/>
-              <a:t>SwingJS</a:t>
-            </a:r>
-            <a:r>
-              <a:rPr lang="en-US" dirty="0"/>
-              <a:t> runtime adds </a:t>
-            </a:r>
-            <a:r>
-              <a:rPr lang="en-US" dirty="0" err="1"/>
-              <a:t>Clazz</a:t>
-            </a:r>
-            <a:r>
-              <a:rPr lang="en-US" dirty="0"/>
-              <a:t>._</a:t>
-            </a:r>
-            <a:r>
-              <a:rPr lang="en-US" dirty="0" err="1"/>
-              <a:t>loadWasm</a:t>
-            </a:r>
-            <a:r>
-              <a:rPr lang="en-US" dirty="0"/>
-              <a:t>, linking Java native methods with WASM exports when native methods are registered in JavaScript</a:t>
-            </a:r>
-          </a:p>
-        </p:txBody>
-      </p:sp>
-      <p:graphicFrame>
-        <p:nvGraphicFramePr>
-          <p:cNvPr id="4" name="Object 3">
-            <a:extLst>
-              <a:ext uri="{FF2B5EF4-FFF2-40B4-BE49-F238E27FC236}">
-                <a16:creationId xmlns:a16="http://schemas.microsoft.com/office/drawing/2014/main" id="{103CFB8B-F4CD-0AFE-6E10-150CA6E74D37}"/>
-              </a:ext>
-            </a:extLst>
-          </p:cNvPr>
-          <p:cNvGraphicFramePr>
-            <a:graphicFrameLocks noChangeAspect="1"/>
-          </p:cNvGraphicFramePr>
-          <p:nvPr>
-            <p:extLst>
-              <p:ext uri="{D42A27DB-BD31-4B8C-83A1-F6EECF244321}">
-                <p14:modId xmlns:p14="http://schemas.microsoft.com/office/powerpoint/2010/main" val="3854779790"/>
-              </p:ext>
-            </p:extLst>
-          </p:nvPr>
-        </p:nvGraphicFramePr>
-        <p:xfrm>
-          <a:off x="4092893" y="1796669"/>
-          <a:ext cx="8494712" cy="5059363"/>
-        </p:xfrm>
-        <a:graphic>
-          <a:graphicData uri="http://schemas.openxmlformats.org/presentationml/2006/ole">
-            <mc:AlternateContent xmlns:mc="http://schemas.openxmlformats.org/markup-compatibility/2006">
-              <mc:Choice xmlns:v="urn:schemas-microsoft-com:vml" Requires="v">
-                <p:oleObj name="CS ChemDraw Drawing" r:id="rId2" imgW="6763330" imgH="4032520" progId="ChemDraw.Document.6.0">
-                  <p:embed/>
-                </p:oleObj>
-              </mc:Choice>
-              <mc:Fallback>
-                <p:oleObj name="CS ChemDraw Drawing" r:id="rId2" imgW="6763330" imgH="4032520" progId="ChemDraw.Document.6.0">
-                  <p:embed/>
-                  <p:pic>
-                    <p:nvPicPr>
-                      <p:cNvPr id="4" name="Object 3">
-                        <a:extLst>
-                          <a:ext uri="{FF2B5EF4-FFF2-40B4-BE49-F238E27FC236}">
-                            <a16:creationId xmlns:a16="http://schemas.microsoft.com/office/drawing/2014/main" id="{B2EF7D2E-5A82-2D0F-5EF6-B0EAB674CC76}"/>
-                          </a:ext>
-                        </a:extLst>
-                      </p:cNvPr>
-                      <p:cNvPicPr/>
-                      <p:nvPr/>
-                    </p:nvPicPr>
-                    <p:blipFill>
-                      <a:blip r:embed="rId3"/>
-                      <a:stretch>
-                        <a:fillRect/>
-                      </a:stretch>
-                    </p:blipFill>
-                    <p:spPr>
-                      <a:xfrm>
-                        <a:off x="4092893" y="1796669"/>
-                        <a:ext cx="8494712" cy="5059363"/>
-                      </a:xfrm>
-                      <a:prstGeom prst="rect">
-                        <a:avLst/>
-                      </a:prstGeom>
-                    </p:spPr>
-                  </p:pic>
-                </p:oleObj>
-              </mc:Fallback>
-            </mc:AlternateContent>
-          </a:graphicData>
-        </a:graphic>
-      </p:graphicFrame>
-      <p:sp>
-        <p:nvSpPr>
-          <p:cNvPr id="5" name="Rectangle 4">
-            <a:extLst>
-              <a:ext uri="{FF2B5EF4-FFF2-40B4-BE49-F238E27FC236}">
                 <a16:creationId xmlns:a16="http://schemas.microsoft.com/office/drawing/2014/main" id="{168C504C-8519-D1B1-45BA-B9DDCD2A943D}"/>
               </a:ext>
             </a:extLst>
@@ -7806,7 +9271,31 @@
           <a:p>
             <a:r>
               <a:rPr lang="en-US" dirty="0"/>
-              <a:t>Adds additional InChI-to-</a:t>
+              <a:t>Adds additional </a:t>
+            </a:r>
+            <a:r>
+              <a:rPr lang="en-US" dirty="0" err="1"/>
+              <a:t>inchi</a:t>
+            </a:r>
+            <a:r>
+              <a:rPr lang="en-US" dirty="0"/>
+              <a:t> output  flags “</a:t>
+            </a:r>
+            <a:r>
+              <a:rPr lang="en-US" dirty="0" err="1"/>
+              <a:t>fixamide</a:t>
+            </a:r>
+            <a:r>
+              <a:rPr lang="en-US" dirty="0"/>
+              <a:t>” and “</a:t>
+            </a:r>
+            <a:r>
+              <a:rPr lang="en-US" dirty="0" err="1"/>
+              <a:t>fixacid</a:t>
+            </a:r>
+            <a:r>
+              <a:rPr lang="en-US" dirty="0"/>
+              <a:t>” (see slides 15 and 16). These are handled in the InChI-to-</a:t>
             </a:r>
             <a:r>
               <a:rPr lang="en-US" dirty="0" err="1"/>
@@ -7814,39 +9303,7 @@
             </a:r>
             <a:r>
               <a:rPr lang="en-US" dirty="0"/>
-              <a:t> flag “</a:t>
-            </a:r>
-            <a:r>
-              <a:rPr lang="en-US" dirty="0" err="1"/>
-              <a:t>fixamide</a:t>
-            </a:r>
-            <a:r>
-              <a:rPr lang="en-US" dirty="0"/>
-              <a:t>”, which converts </a:t>
-            </a:r>
-            <a:r>
-              <a:rPr lang="en-US" dirty="0" err="1"/>
-              <a:t>inchi</a:t>
-            </a:r>
-            <a:r>
-              <a:rPr lang="en-US" dirty="0"/>
-              <a:t>-internal N=C-OH (</a:t>
-            </a:r>
-            <a:r>
-              <a:rPr lang="en-US" dirty="0" err="1"/>
-              <a:t>iminol</a:t>
-            </a:r>
-            <a:r>
-              <a:rPr lang="en-US" dirty="0"/>
-              <a:t>) to HN-C=O (amide) when creating an </a:t>
-            </a:r>
-            <a:r>
-              <a:rPr lang="en-US" dirty="0" err="1"/>
-              <a:t>InchiInput</a:t>
-            </a:r>
-            <a:r>
-              <a:rPr lang="en-US" dirty="0"/>
-              <a:t> object from an InChI.</a:t>
+              <a:t> section of InchiAPI.java.</a:t>
             </a:r>
           </a:p>
           <a:p>
@@ -7869,7 +9326,13 @@
           <p:cNvGraphicFramePr>
             <a:graphicFrameLocks noChangeAspect="1"/>
           </p:cNvGraphicFramePr>
-          <p:nvPr/>
+          <p:nvPr>
+            <p:extLst>
+              <p:ext uri="{D42A27DB-BD31-4B8C-83A1-F6EECF244321}">
+                <p14:modId xmlns:p14="http://schemas.microsoft.com/office/powerpoint/2010/main" val="3421558233"/>
+              </p:ext>
+            </p:extLst>
+          </p:nvPr>
         </p:nvGraphicFramePr>
         <p:xfrm>
           <a:off x="4092893" y="1796669"/>
@@ -7879,19 +9342,19 @@
           <a:graphicData uri="http://schemas.openxmlformats.org/presentationml/2006/ole">
             <mc:AlternateContent xmlns:mc="http://schemas.openxmlformats.org/markup-compatibility/2006">
               <mc:Choice xmlns:v="urn:schemas-microsoft-com:vml" Requires="v">
-                <p:oleObj name="CS ChemDraw Drawing" r:id="rId2" imgW="6763330" imgH="4032520" progId="ChemDraw.Document.6.0">
+                <p:oleObj name="CS ChemDraw Drawing" r:id="rId2" imgW="6763330" imgH="4032115" progId="ChemDraw.Document.6.0">
                   <p:embed/>
                 </p:oleObj>
               </mc:Choice>
               <mc:Fallback>
-                <p:oleObj name="CS ChemDraw Drawing" r:id="rId2" imgW="6763330" imgH="4032520" progId="ChemDraw.Document.6.0">
+                <p:oleObj name="CS ChemDraw Drawing" r:id="rId2" imgW="6763330" imgH="4032115" progId="ChemDraw.Document.6.0">
                   <p:embed/>
                   <p:pic>
                     <p:nvPicPr>
                       <p:cNvPr id="4" name="Object 3">
                         <a:extLst>
                           <a:ext uri="{FF2B5EF4-FFF2-40B4-BE49-F238E27FC236}">
-                            <a16:creationId xmlns:a16="http://schemas.microsoft.com/office/drawing/2014/main" id="{103CFB8B-F4CD-0AFE-6E10-150CA6E74D37}"/>
+                            <a16:creationId xmlns:a16="http://schemas.microsoft.com/office/drawing/2014/main" id="{0557235E-66E8-7ADE-D0E7-39D435D126A2}"/>
                           </a:ext>
                         </a:extLst>
                       </p:cNvPr>
@@ -8124,7 +9587,7 @@
                       <p:cNvPr id="4" name="Object 3">
                         <a:extLst>
                           <a:ext uri="{FF2B5EF4-FFF2-40B4-BE49-F238E27FC236}">
-                            <a16:creationId xmlns:a16="http://schemas.microsoft.com/office/drawing/2014/main" id="{0557235E-66E8-7ADE-D0E7-39D435D126A2}"/>
+                            <a16:creationId xmlns:a16="http://schemas.microsoft.com/office/drawing/2014/main" id="{4338A1BE-CE3A-F905-A63D-5DA5F960F9FB}"/>
                           </a:ext>
                         </a:extLst>
                       </p:cNvPr>
@@ -8459,6 +9922,204 @@
           </a:prstGeom>
         </p:spPr>
       </p:pic>
+      <p:sp>
+        <p:nvSpPr>
+          <p:cNvPr id="4" name="Rectangle 3">
+            <a:extLst>
+              <a:ext uri="{FF2B5EF4-FFF2-40B4-BE49-F238E27FC236}">
+                <a16:creationId xmlns:a16="http://schemas.microsoft.com/office/drawing/2014/main" id="{9F85EFFB-73D8-3A39-D204-16E37587AB8E}"/>
+              </a:ext>
+            </a:extLst>
+          </p:cNvPr>
+          <p:cNvSpPr/>
+          <p:nvPr/>
+        </p:nvSpPr>
+        <p:spPr>
+          <a:xfrm>
+            <a:off x="5307466" y="269194"/>
+            <a:ext cx="693284" cy="191861"/>
+          </a:xfrm>
+          <a:prstGeom prst="rect">
+            <a:avLst/>
+          </a:prstGeom>
+          <a:noFill/>
+          <a:ln>
+            <a:solidFill>
+              <a:srgbClr val="FF0000"/>
+            </a:solidFill>
+          </a:ln>
+        </p:spPr>
+        <p:style>
+          <a:lnRef idx="2">
+            <a:schemeClr val="accent1">
+              <a:shade val="15000"/>
+            </a:schemeClr>
+          </a:lnRef>
+          <a:fillRef idx="1">
+            <a:schemeClr val="accent1"/>
+          </a:fillRef>
+          <a:effectRef idx="0">
+            <a:schemeClr val="accent1"/>
+          </a:effectRef>
+          <a:fontRef idx="minor">
+            <a:schemeClr val="lt1"/>
+          </a:fontRef>
+        </p:style>
+        <p:txBody>
+          <a:bodyPr rtlCol="0" anchor="ctr"/>
+          <a:lstStyle/>
+          <a:p>
+            <a:pPr algn="ctr"/>
+            <a:endParaRPr lang="en-US"/>
+          </a:p>
+        </p:txBody>
+      </p:sp>
+      <p:cxnSp>
+        <p:nvCxnSpPr>
+          <p:cNvPr id="8" name="Connector: Curved 7">
+            <a:extLst>
+              <a:ext uri="{FF2B5EF4-FFF2-40B4-BE49-F238E27FC236}">
+                <a16:creationId xmlns:a16="http://schemas.microsoft.com/office/drawing/2014/main" id="{9F2DBCB6-6E69-E488-485B-5A3F4ACE1726}"/>
+              </a:ext>
+            </a:extLst>
+          </p:cNvPr>
+          <p:cNvCxnSpPr>
+            <a:cxnSpLocks/>
+          </p:cNvCxnSpPr>
+          <p:nvPr/>
+        </p:nvCxnSpPr>
+        <p:spPr>
+          <a:xfrm rot="5400000">
+            <a:off x="2249477" y="2670876"/>
+            <a:ext cx="1693429" cy="967407"/>
+          </a:xfrm>
+          <a:prstGeom prst="curvedConnector3">
+            <a:avLst>
+              <a:gd name="adj1" fmla="val 50000"/>
+            </a:avLst>
+          </a:prstGeom>
+          <a:ln w="12700">
+            <a:solidFill>
+              <a:srgbClr val="FF0000"/>
+            </a:solidFill>
+            <a:tailEnd type="triangle"/>
+          </a:ln>
+        </p:spPr>
+        <p:style>
+          <a:lnRef idx="1">
+            <a:schemeClr val="accent1"/>
+          </a:lnRef>
+          <a:fillRef idx="0">
+            <a:schemeClr val="accent1"/>
+          </a:fillRef>
+          <a:effectRef idx="0">
+            <a:schemeClr val="accent1"/>
+          </a:effectRef>
+          <a:fontRef idx="minor">
+            <a:schemeClr val="tx1"/>
+          </a:fontRef>
+        </p:style>
+      </p:cxnSp>
+      <p:sp>
+        <p:nvSpPr>
+          <p:cNvPr id="9" name="TextBox 8">
+            <a:extLst>
+              <a:ext uri="{FF2B5EF4-FFF2-40B4-BE49-F238E27FC236}">
+                <a16:creationId xmlns:a16="http://schemas.microsoft.com/office/drawing/2014/main" id="{351D9D71-15D2-7339-02F7-119788EE9336}"/>
+              </a:ext>
+            </a:extLst>
+          </p:cNvPr>
+          <p:cNvSpPr txBox="1"/>
+          <p:nvPr/>
+        </p:nvSpPr>
+        <p:spPr>
+          <a:xfrm>
+            <a:off x="3471999" y="2991188"/>
+            <a:ext cx="1413212" cy="646331"/>
+          </a:xfrm>
+          <a:prstGeom prst="rect">
+            <a:avLst/>
+          </a:prstGeom>
+          <a:noFill/>
+          <a:ln>
+            <a:solidFill>
+              <a:srgbClr val="FF0000"/>
+            </a:solidFill>
+          </a:ln>
+        </p:spPr>
+        <p:txBody>
+          <a:bodyPr wrap="square" rtlCol="0">
+            <a:spAutoFit/>
+          </a:bodyPr>
+          <a:lstStyle/>
+          <a:p>
+            <a:r>
+              <a:rPr lang="en-US" dirty="0">
+                <a:solidFill>
+                  <a:srgbClr val="FF0000"/>
+                </a:solidFill>
+              </a:rPr>
+              <a:t> InChI to</a:t>
+            </a:r>
+          </a:p>
+          <a:p>
+            <a:r>
+              <a:rPr lang="en-US" dirty="0">
+                <a:solidFill>
+                  <a:srgbClr val="FF0000"/>
+                </a:solidFill>
+              </a:rPr>
+              <a:t>CDK and OCL</a:t>
+            </a:r>
+          </a:p>
+        </p:txBody>
+      </p:sp>
+      <p:cxnSp>
+        <p:nvCxnSpPr>
+          <p:cNvPr id="12" name="Connector: Curved 11">
+            <a:extLst>
+              <a:ext uri="{FF2B5EF4-FFF2-40B4-BE49-F238E27FC236}">
+                <a16:creationId xmlns:a16="http://schemas.microsoft.com/office/drawing/2014/main" id="{76BC8D52-0CE7-0185-E7B9-EB149030A93A}"/>
+              </a:ext>
+            </a:extLst>
+          </p:cNvPr>
+          <p:cNvCxnSpPr>
+            <a:cxnSpLocks/>
+          </p:cNvCxnSpPr>
+          <p:nvPr/>
+        </p:nvCxnSpPr>
+        <p:spPr>
+          <a:xfrm rot="16200000" flipH="1">
+            <a:off x="6013789" y="2563243"/>
+            <a:ext cx="1493046" cy="877166"/>
+          </a:xfrm>
+          <a:prstGeom prst="curvedConnector3">
+            <a:avLst>
+              <a:gd name="adj1" fmla="val 50000"/>
+            </a:avLst>
+          </a:prstGeom>
+          <a:ln w="12700">
+            <a:solidFill>
+              <a:srgbClr val="FF0000"/>
+            </a:solidFill>
+            <a:tailEnd type="triangle"/>
+          </a:ln>
+        </p:spPr>
+        <p:style>
+          <a:lnRef idx="1">
+            <a:schemeClr val="accent1"/>
+          </a:lnRef>
+          <a:fillRef idx="0">
+            <a:schemeClr val="accent1"/>
+          </a:fillRef>
+          <a:effectRef idx="0">
+            <a:schemeClr val="accent1"/>
+          </a:effectRef>
+          <a:fontRef idx="minor">
+            <a:schemeClr val="tx1"/>
+          </a:fontRef>
+        </p:style>
+      </p:cxnSp>
     </p:spTree>
     <p:extLst>
       <p:ext uri="{BB962C8B-B14F-4D97-AF65-F5344CB8AC3E}">
